--- a/+Presentation for Energy_Analytics/Possible Topics to present/Hourly probabilistic solar power forecasts_3v.pptx
+++ b/+Presentation for Energy_Analytics/Possible Topics to present/Hourly probabilistic solar power forecasts_3v.pptx
@@ -5,31 +5,30 @@
     <p:sldMasterId id="2147483672" r:id="rId1"/>
   </p:sldMasterIdLst>
   <p:notesMasterIdLst>
-    <p:notesMasterId r:id="rId24"/>
+    <p:notesMasterId r:id="rId23"/>
   </p:notesMasterIdLst>
   <p:sldIdLst>
     <p:sldId id="256" r:id="rId2"/>
     <p:sldId id="290" r:id="rId3"/>
-    <p:sldId id="338" r:id="rId4"/>
-    <p:sldId id="281" r:id="rId5"/>
-    <p:sldId id="282" r:id="rId6"/>
-    <p:sldId id="288" r:id="rId7"/>
-    <p:sldId id="266" r:id="rId8"/>
-    <p:sldId id="1132" r:id="rId9"/>
-    <p:sldId id="268" r:id="rId10"/>
-    <p:sldId id="286" r:id="rId11"/>
-    <p:sldId id="285" r:id="rId12"/>
-    <p:sldId id="1131" r:id="rId13"/>
-    <p:sldId id="272" r:id="rId14"/>
-    <p:sldId id="273" r:id="rId15"/>
-    <p:sldId id="284" r:id="rId16"/>
-    <p:sldId id="337" r:id="rId17"/>
-    <p:sldId id="275" r:id="rId18"/>
-    <p:sldId id="276" r:id="rId19"/>
-    <p:sldId id="277" r:id="rId20"/>
-    <p:sldId id="283" r:id="rId21"/>
-    <p:sldId id="279" r:id="rId22"/>
-    <p:sldId id="280" r:id="rId23"/>
+    <p:sldId id="281" r:id="rId4"/>
+    <p:sldId id="282" r:id="rId5"/>
+    <p:sldId id="288" r:id="rId6"/>
+    <p:sldId id="266" r:id="rId7"/>
+    <p:sldId id="1132" r:id="rId8"/>
+    <p:sldId id="268" r:id="rId9"/>
+    <p:sldId id="286" r:id="rId10"/>
+    <p:sldId id="285" r:id="rId11"/>
+    <p:sldId id="1131" r:id="rId12"/>
+    <p:sldId id="272" r:id="rId13"/>
+    <p:sldId id="273" r:id="rId14"/>
+    <p:sldId id="284" r:id="rId15"/>
+    <p:sldId id="337" r:id="rId16"/>
+    <p:sldId id="275" r:id="rId17"/>
+    <p:sldId id="276" r:id="rId18"/>
+    <p:sldId id="277" r:id="rId19"/>
+    <p:sldId id="283" r:id="rId20"/>
+    <p:sldId id="279" r:id="rId21"/>
+    <p:sldId id="280" r:id="rId22"/>
   </p:sldIdLst>
   <p:sldSz cx="12192000" cy="6858000"/>
   <p:notesSz cx="6858000" cy="9144000"/>
@@ -11567,7 +11566,7 @@
           <a:p>
             <a:fld id="{01AFE21F-66B3-45E2-BDB1-E16761FD82B6}" type="datetimeFigureOut">
               <a:rPr lang="en-US" smtClean="0"/>
-              <a:t>8/6/2019</a:t>
+              <a:t>8/7/2019</a:t>
             </a:fld>
             <a:endParaRPr lang="en-US"/>
           </a:p>
@@ -11904,7 +11903,7 @@
           <a:p>
             <a:fld id="{11472842-1580-4E2C-A4E0-1474F4390AED}" type="slidenum">
               <a:rPr lang="en-US" smtClean="0"/>
-              <a:t>12</a:t>
+              <a:t>11</a:t>
             </a:fld>
             <a:endParaRPr lang="en-US" dirty="0"/>
           </a:p>
@@ -11993,7 +11992,7 @@
           <a:p>
             <a:fld id="{11472842-1580-4E2C-A4E0-1474F4390AED}" type="slidenum">
               <a:rPr lang="en-US" smtClean="0"/>
-              <a:t>13</a:t>
+              <a:t>12</a:t>
             </a:fld>
             <a:endParaRPr lang="en-US" dirty="0"/>
           </a:p>
@@ -12082,7 +12081,7 @@
           <a:p>
             <a:fld id="{11472842-1580-4E2C-A4E0-1474F4390AED}" type="slidenum">
               <a:rPr lang="en-US" smtClean="0"/>
-              <a:t>14</a:t>
+              <a:t>13</a:t>
             </a:fld>
             <a:endParaRPr lang="en-US" dirty="0"/>
           </a:p>
@@ -12171,7 +12170,7 @@
           <a:p>
             <a:fld id="{11472842-1580-4E2C-A4E0-1474F4390AED}" type="slidenum">
               <a:rPr lang="en-US" smtClean="0"/>
-              <a:t>17</a:t>
+              <a:t>16</a:t>
             </a:fld>
             <a:endParaRPr lang="en-US" dirty="0"/>
           </a:p>
@@ -12260,7 +12259,7 @@
           <a:p>
             <a:fld id="{11472842-1580-4E2C-A4E0-1474F4390AED}" type="slidenum">
               <a:rPr lang="en-US" smtClean="0"/>
-              <a:t>21</a:t>
+              <a:t>20</a:t>
             </a:fld>
             <a:endParaRPr lang="en-US" dirty="0"/>
           </a:p>
@@ -12349,7 +12348,7 @@
           <a:p>
             <a:fld id="{11472842-1580-4E2C-A4E0-1474F4390AED}" type="slidenum">
               <a:rPr lang="en-US" smtClean="0"/>
-              <a:t>22</a:t>
+              <a:t>21</a:t>
             </a:fld>
             <a:endParaRPr lang="en-US" dirty="0"/>
           </a:p>
@@ -12499,7 +12498,7 @@
           <a:p>
             <a:fld id="{B92AF5DD-F2C8-4ED7-902A-D0992DF1BD18}" type="datetimeFigureOut">
               <a:rPr lang="en-US" smtClean="0"/>
-              <a:t>8/6/2019</a:t>
+              <a:t>8/7/2019</a:t>
             </a:fld>
             <a:endParaRPr lang="en-US"/>
           </a:p>
@@ -12735,7 +12734,7 @@
           <a:p>
             <a:fld id="{B92AF5DD-F2C8-4ED7-902A-D0992DF1BD18}" type="datetimeFigureOut">
               <a:rPr lang="en-US" smtClean="0"/>
-              <a:t>8/6/2019</a:t>
+              <a:t>8/7/2019</a:t>
             </a:fld>
             <a:endParaRPr lang="en-US"/>
           </a:p>
@@ -12915,7 +12914,7 @@
           <a:p>
             <a:fld id="{B92AF5DD-F2C8-4ED7-902A-D0992DF1BD18}" type="datetimeFigureOut">
               <a:rPr lang="en-US" smtClean="0"/>
-              <a:t>8/6/2019</a:t>
+              <a:t>8/7/2019</a:t>
             </a:fld>
             <a:endParaRPr lang="en-US"/>
           </a:p>
@@ -13085,7 +13084,7 @@
           <a:p>
             <a:fld id="{B92AF5DD-F2C8-4ED7-902A-D0992DF1BD18}" type="datetimeFigureOut">
               <a:rPr lang="en-US" smtClean="0"/>
-              <a:t>8/6/2019</a:t>
+              <a:t>8/7/2019</a:t>
             </a:fld>
             <a:endParaRPr lang="en-US"/>
           </a:p>
@@ -13331,7 +13330,7 @@
           <a:p>
             <a:fld id="{B92AF5DD-F2C8-4ED7-902A-D0992DF1BD18}" type="datetimeFigureOut">
               <a:rPr lang="en-US" smtClean="0"/>
-              <a:t>8/6/2019</a:t>
+              <a:t>8/7/2019</a:t>
             </a:fld>
             <a:endParaRPr lang="en-US"/>
           </a:p>
@@ -13563,7 +13562,7 @@
           <a:p>
             <a:fld id="{B92AF5DD-F2C8-4ED7-902A-D0992DF1BD18}" type="datetimeFigureOut">
               <a:rPr lang="en-US" smtClean="0"/>
-              <a:t>8/6/2019</a:t>
+              <a:t>8/7/2019</a:t>
             </a:fld>
             <a:endParaRPr lang="en-US"/>
           </a:p>
@@ -13930,7 +13929,7 @@
           <a:p>
             <a:fld id="{B92AF5DD-F2C8-4ED7-902A-D0992DF1BD18}" type="datetimeFigureOut">
               <a:rPr lang="en-US" smtClean="0"/>
-              <a:t>8/6/2019</a:t>
+              <a:t>8/7/2019</a:t>
             </a:fld>
             <a:endParaRPr lang="en-US"/>
           </a:p>
@@ -14048,7 +14047,7 @@
           <a:p>
             <a:fld id="{B92AF5DD-F2C8-4ED7-902A-D0992DF1BD18}" type="datetimeFigureOut">
               <a:rPr lang="en-US" smtClean="0"/>
-              <a:t>8/6/2019</a:t>
+              <a:t>8/7/2019</a:t>
             </a:fld>
             <a:endParaRPr lang="en-US"/>
           </a:p>
@@ -14143,7 +14142,7 @@
           <a:p>
             <a:fld id="{B92AF5DD-F2C8-4ED7-902A-D0992DF1BD18}" type="datetimeFigureOut">
               <a:rPr lang="en-US" smtClean="0"/>
-              <a:t>8/6/2019</a:t>
+              <a:t>8/7/2019</a:t>
             </a:fld>
             <a:endParaRPr lang="en-US"/>
           </a:p>
@@ -14420,7 +14419,7 @@
           <a:p>
             <a:fld id="{B92AF5DD-F2C8-4ED7-902A-D0992DF1BD18}" type="datetimeFigureOut">
               <a:rPr lang="en-US" smtClean="0"/>
-              <a:t>8/6/2019</a:t>
+              <a:t>8/7/2019</a:t>
             </a:fld>
             <a:endParaRPr lang="en-US"/>
           </a:p>
@@ -14677,7 +14676,7 @@
           <a:p>
             <a:fld id="{B92AF5DD-F2C8-4ED7-902A-D0992DF1BD18}" type="datetimeFigureOut">
               <a:rPr lang="en-US" smtClean="0"/>
-              <a:t>8/6/2019</a:t>
+              <a:t>8/7/2019</a:t>
             </a:fld>
             <a:endParaRPr lang="en-US"/>
           </a:p>
@@ -14890,7 +14889,7 @@
           <a:p>
             <a:fld id="{B92AF5DD-F2C8-4ED7-902A-D0992DF1BD18}" type="datetimeFigureOut">
               <a:rPr lang="en-US" smtClean="0"/>
-              <a:t>8/6/2019</a:t>
+              <a:t>8/7/2019</a:t>
             </a:fld>
             <a:endParaRPr lang="en-US"/>
           </a:p>
@@ -15939,1617 +15938,6 @@
           <a:chExt cx="0" cy="0"/>
         </a:xfrm>
       </p:grpSpPr>
-      <p:sp>
-        <p:nvSpPr>
-          <p:cNvPr id="4" name="Rectangle 3">
-            <a:extLst>
-              <a:ext uri="{FF2B5EF4-FFF2-40B4-BE49-F238E27FC236}">
-                <a16:creationId xmlns:a16="http://schemas.microsoft.com/office/drawing/2014/main" id="{41B201A3-44EB-47B8-926F-1F03F09097A3}"/>
-              </a:ext>
-            </a:extLst>
-          </p:cNvPr>
-          <p:cNvSpPr/>
-          <p:nvPr/>
-        </p:nvSpPr>
-        <p:spPr>
-          <a:xfrm>
-            <a:off x="3641320" y="3836892"/>
-            <a:ext cx="5349240" cy="369332"/>
-          </a:xfrm>
-          <a:prstGeom prst="rect">
-            <a:avLst/>
-          </a:prstGeom>
-        </p:spPr>
-        <p:txBody>
-          <a:bodyPr wrap="square">
-            <a:spAutoFit/>
-          </a:bodyPr>
-          <a:lstStyle/>
-          <a:p>
-            <a:pPr algn="ctr"/>
-            <a:r>
-              <a:rPr lang="en-US" dirty="0">
-                <a:latin typeface="Times New Roman" panose="02020603050405020304" pitchFamily="18" charset="0"/>
-                <a:cs typeface="Times New Roman" panose="02020603050405020304" pitchFamily="18" charset="0"/>
-              </a:rPr>
-              <a:t>General diagram of combining different models</a:t>
-            </a:r>
-          </a:p>
-        </p:txBody>
-      </p:sp>
-      <p:sp>
-        <p:nvSpPr>
-          <p:cNvPr id="22" name="Title 1">
-            <a:extLst>
-              <a:ext uri="{FF2B5EF4-FFF2-40B4-BE49-F238E27FC236}">
-                <a16:creationId xmlns:a16="http://schemas.microsoft.com/office/drawing/2014/main" id="{A7714A61-095E-4245-A271-28CB7EE4795C}"/>
-              </a:ext>
-            </a:extLst>
-          </p:cNvPr>
-          <p:cNvSpPr txBox="1">
-            <a:spLocks/>
-          </p:cNvSpPr>
-          <p:nvPr/>
-        </p:nvSpPr>
-        <p:spPr>
-          <a:xfrm>
-            <a:off x="1581387" y="830079"/>
-            <a:ext cx="3592229" cy="306079"/>
-          </a:xfrm>
-          <a:prstGeom prst="rect">
-            <a:avLst/>
-          </a:prstGeom>
-        </p:spPr>
-        <p:txBody>
-          <a:bodyPr vert="horz" lIns="91440" tIns="45720" rIns="91440" bIns="45720" rtlCol="0" anchor="ctr">
-            <a:normAutofit fontScale="92500" lnSpcReduction="20000"/>
-          </a:bodyPr>
-          <a:lstStyle>
-            <a:lvl1pPr algn="ctr" defTabSz="457200" rtl="0" eaLnBrk="1" latinLnBrk="0" hangingPunct="1">
-              <a:spcBef>
-                <a:spcPct val="0"/>
-              </a:spcBef>
-              <a:buNone/>
-              <a:defRPr sz="4400" kern="1200">
-                <a:solidFill>
-                  <a:schemeClr val="tx1"/>
-                </a:solidFill>
-                <a:latin typeface="+mj-lt"/>
-                <a:ea typeface="+mj-ea"/>
-                <a:cs typeface="+mj-cs"/>
-              </a:defRPr>
-            </a:lvl1pPr>
-          </a:lstStyle>
-          <a:p>
-            <a:pPr algn="l"/>
-            <a:r>
-              <a:rPr lang="en-US" sz="1800" b="1" dirty="0">
-                <a:latin typeface="Times New Roman" panose="02020603050405020304" pitchFamily="18" charset="0"/>
-              </a:rPr>
-              <a:t>Combining Various Models </a:t>
-            </a:r>
-            <a:endParaRPr lang="en-US" sz="1800" b="1" dirty="0"/>
-          </a:p>
-        </p:txBody>
-      </p:sp>
-      <p:sp>
-        <p:nvSpPr>
-          <p:cNvPr id="23" name="Rounded Rectangle 55">
-            <a:extLst>
-              <a:ext uri="{FF2B5EF4-FFF2-40B4-BE49-F238E27FC236}">
-                <a16:creationId xmlns:a16="http://schemas.microsoft.com/office/drawing/2014/main" id="{91AD20EE-6373-4A65-B7A6-367B82B0E65E}"/>
-              </a:ext>
-            </a:extLst>
-          </p:cNvPr>
-          <p:cNvSpPr/>
-          <p:nvPr/>
-        </p:nvSpPr>
-        <p:spPr>
-          <a:xfrm>
-            <a:off x="1658866" y="5053659"/>
-            <a:ext cx="1696452" cy="985667"/>
-          </a:xfrm>
-          <a:prstGeom prst="roundRect">
-            <a:avLst/>
-          </a:prstGeom>
-        </p:spPr>
-        <p:style>
-          <a:lnRef idx="2">
-            <a:schemeClr val="dk1"/>
-          </a:lnRef>
-          <a:fillRef idx="1">
-            <a:schemeClr val="lt1"/>
-          </a:fillRef>
-          <a:effectRef idx="0">
-            <a:schemeClr val="dk1"/>
-          </a:effectRef>
-          <a:fontRef idx="minor">
-            <a:schemeClr val="dk1"/>
-          </a:fontRef>
-        </p:style>
-        <p:txBody>
-          <a:bodyPr rot="0" spcFirstLastPara="0" vert="horz" wrap="square" lIns="91440" tIns="45720" rIns="91440" bIns="45720" numCol="1" spcCol="0" rtlCol="0" fromWordArt="0" anchor="ctr" anchorCtr="0" forceAA="0" compatLnSpc="1">
-            <a:prstTxWarp prst="textNoShape">
-              <a:avLst/>
-            </a:prstTxWarp>
-            <a:noAutofit/>
-          </a:bodyPr>
-          <a:lstStyle/>
-          <a:p>
-            <a:pPr algn="ctr"/>
-            <a:r>
-              <a:rPr lang="en-US" sz="1600" dirty="0">
-                <a:latin typeface="Times New Roman" panose="02020603050405020304" pitchFamily="18" charset="0"/>
-                <a:ea typeface="ＭＳ 明朝"/>
-                <a:cs typeface="Times New Roman" panose="02020603050405020304" pitchFamily="18" charset="0"/>
-              </a:rPr>
-              <a:t>Methods of Combining The Models</a:t>
-            </a:r>
-          </a:p>
-        </p:txBody>
-      </p:sp>
-      <p:sp>
-        <p:nvSpPr>
-          <p:cNvPr id="24" name="Rectangle 23">
-            <a:extLst>
-              <a:ext uri="{FF2B5EF4-FFF2-40B4-BE49-F238E27FC236}">
-                <a16:creationId xmlns:a16="http://schemas.microsoft.com/office/drawing/2014/main" id="{619CD5AA-8903-47F2-8435-123D8A511C89}"/>
-              </a:ext>
-            </a:extLst>
-          </p:cNvPr>
-          <p:cNvSpPr/>
-          <p:nvPr/>
-        </p:nvSpPr>
-        <p:spPr>
-          <a:xfrm>
-            <a:off x="4394429" y="5276464"/>
-            <a:ext cx="5727172" cy="646331"/>
-          </a:xfrm>
-          <a:prstGeom prst="rect">
-            <a:avLst/>
-          </a:prstGeom>
-          <a:ln>
-            <a:solidFill>
-              <a:srgbClr val="92D050"/>
-            </a:solidFill>
-          </a:ln>
-        </p:spPr>
-        <p:txBody>
-          <a:bodyPr wrap="square">
-            <a:spAutoFit/>
-          </a:bodyPr>
-          <a:lstStyle/>
-          <a:p>
-            <a:r>
-              <a:rPr lang="en-US" b="1" dirty="0">
-                <a:latin typeface="Times New Roman" panose="02020603050405020304" pitchFamily="18" charset="0"/>
-                <a:ea typeface="ＭＳ 明朝"/>
-                <a:cs typeface="Times New Roman" panose="02020603050405020304" pitchFamily="18" charset="0"/>
-              </a:rPr>
-              <a:t>Random forest (RF) </a:t>
-            </a:r>
-            <a:r>
-              <a:rPr lang="en-US" dirty="0">
-                <a:latin typeface="Times New Roman" panose="02020603050405020304" pitchFamily="18" charset="0"/>
-                <a:ea typeface="ＭＳ 明朝"/>
-                <a:cs typeface="Times New Roman" panose="02020603050405020304" pitchFamily="18" charset="0"/>
-              </a:rPr>
-              <a:t>is chosen to be the </a:t>
-            </a:r>
-            <a:r>
-              <a:rPr lang="en-US" b="1" i="1" dirty="0">
-                <a:latin typeface="Times New Roman" panose="02020603050405020304" pitchFamily="18" charset="0"/>
-                <a:ea typeface="ＭＳ 明朝"/>
-                <a:cs typeface="Times New Roman" panose="02020603050405020304" pitchFamily="18" charset="0"/>
-              </a:rPr>
-              <a:t>ensemble learning </a:t>
-            </a:r>
-            <a:r>
-              <a:rPr lang="en-US" dirty="0">
-                <a:latin typeface="Times New Roman" panose="02020603050405020304" pitchFamily="18" charset="0"/>
-                <a:ea typeface="ＭＳ 明朝"/>
-                <a:cs typeface="Times New Roman" panose="02020603050405020304" pitchFamily="18" charset="0"/>
-              </a:rPr>
-              <a:t>method for combining the various models’ outcomes.</a:t>
-            </a:r>
-          </a:p>
-        </p:txBody>
-      </p:sp>
-      <p:sp>
-        <p:nvSpPr>
-          <p:cNvPr id="25" name="Arrow: Striped Right 24">
-            <a:extLst>
-              <a:ext uri="{FF2B5EF4-FFF2-40B4-BE49-F238E27FC236}">
-                <a16:creationId xmlns:a16="http://schemas.microsoft.com/office/drawing/2014/main" id="{EB9FDBA6-8A45-40C0-8EFC-05AEBFB70B49}"/>
-              </a:ext>
-            </a:extLst>
-          </p:cNvPr>
-          <p:cNvSpPr/>
-          <p:nvPr/>
-        </p:nvSpPr>
-        <p:spPr>
-          <a:xfrm>
-            <a:off x="3465793" y="5373135"/>
-            <a:ext cx="853091" cy="452986"/>
-          </a:xfrm>
-          <a:prstGeom prst="stripedRightArrow">
-            <a:avLst/>
-          </a:prstGeom>
-          <a:solidFill>
-            <a:schemeClr val="bg1"/>
-          </a:solidFill>
-        </p:spPr>
-        <p:style>
-          <a:lnRef idx="1">
-            <a:schemeClr val="accent1"/>
-          </a:lnRef>
-          <a:fillRef idx="3">
-            <a:schemeClr val="accent1"/>
-          </a:fillRef>
-          <a:effectRef idx="2">
-            <a:schemeClr val="accent1"/>
-          </a:effectRef>
-          <a:fontRef idx="minor">
-            <a:schemeClr val="lt1"/>
-          </a:fontRef>
-        </p:style>
-        <p:txBody>
-          <a:bodyPr rtlCol="0" anchor="ctr"/>
-          <a:lstStyle/>
-          <a:p>
-            <a:pPr algn="ctr"/>
-            <a:endParaRPr lang="en-US" dirty="0">
-              <a:solidFill>
-                <a:schemeClr val="tx1"/>
-              </a:solidFill>
-            </a:endParaRPr>
-          </a:p>
-        </p:txBody>
-      </p:sp>
-      <p:sp>
-        <p:nvSpPr>
-          <p:cNvPr id="26" name="TextBox 25">
-            <a:extLst>
-              <a:ext uri="{FF2B5EF4-FFF2-40B4-BE49-F238E27FC236}">
-                <a16:creationId xmlns:a16="http://schemas.microsoft.com/office/drawing/2014/main" id="{1CA363C3-D605-4834-8B65-3EF1F0C48947}"/>
-              </a:ext>
-            </a:extLst>
-          </p:cNvPr>
-          <p:cNvSpPr txBox="1"/>
-          <p:nvPr/>
-        </p:nvSpPr>
-        <p:spPr>
-          <a:xfrm>
-            <a:off x="4248084" y="4338924"/>
-            <a:ext cx="4739640" cy="369332"/>
-          </a:xfrm>
-          <a:prstGeom prst="rect">
-            <a:avLst/>
-          </a:prstGeom>
-          <a:noFill/>
-          <a:ln>
-            <a:solidFill>
-              <a:schemeClr val="bg1">
-                <a:lumMod val="75000"/>
-              </a:schemeClr>
-            </a:solidFill>
-          </a:ln>
-        </p:spPr>
-        <p:txBody>
-          <a:bodyPr wrap="square" rtlCol="0">
-            <a:spAutoFit/>
-          </a:bodyPr>
-          <a:lstStyle/>
-          <a:p>
-            <a:r>
-              <a:rPr lang="en-US" i="1" dirty="0" err="1">
-                <a:latin typeface="Times New Roman" panose="02020603050405020304" pitchFamily="18" charset="0"/>
-                <a:cs typeface="Times New Roman" panose="02020603050405020304" pitchFamily="18" charset="0"/>
-              </a:rPr>
-              <a:t>F</a:t>
-            </a:r>
-            <a:r>
-              <a:rPr lang="en-US" i="1" baseline="-25000" dirty="0" err="1">
-                <a:latin typeface="Times New Roman" panose="02020603050405020304" pitchFamily="18" charset="0"/>
-                <a:cs typeface="Times New Roman" panose="02020603050405020304" pitchFamily="18" charset="0"/>
-              </a:rPr>
-              <a:t>comb</a:t>
-            </a:r>
-            <a:r>
-              <a:rPr lang="en-US" i="1" dirty="0">
-                <a:latin typeface="Times New Roman" panose="02020603050405020304" pitchFamily="18" charset="0"/>
-                <a:cs typeface="Times New Roman" panose="02020603050405020304" pitchFamily="18" charset="0"/>
-              </a:rPr>
-              <a:t>=W</a:t>
-            </a:r>
-            <a:r>
-              <a:rPr lang="en-US" i="1" baseline="-25000" dirty="0">
-                <a:latin typeface="Times New Roman" panose="02020603050405020304" pitchFamily="18" charset="0"/>
-                <a:cs typeface="Times New Roman" panose="02020603050405020304" pitchFamily="18" charset="0"/>
-              </a:rPr>
-              <a:t>A</a:t>
-            </a:r>
-            <a:r>
-              <a:rPr lang="en-US" i="1" dirty="0">
-                <a:latin typeface="Times New Roman" panose="02020603050405020304" pitchFamily="18" charset="0"/>
-                <a:cs typeface="Times New Roman" panose="02020603050405020304" pitchFamily="18" charset="0"/>
-              </a:rPr>
-              <a:t>*M</a:t>
-            </a:r>
-            <a:r>
-              <a:rPr lang="en-US" i="1" baseline="-25000" dirty="0">
-                <a:latin typeface="Times New Roman" panose="02020603050405020304" pitchFamily="18" charset="0"/>
-                <a:cs typeface="Times New Roman" panose="02020603050405020304" pitchFamily="18" charset="0"/>
-              </a:rPr>
-              <a:t>A</a:t>
-            </a:r>
-            <a:r>
-              <a:rPr lang="en-US" i="1" dirty="0">
-                <a:latin typeface="Times New Roman" panose="02020603050405020304" pitchFamily="18" charset="0"/>
-                <a:cs typeface="Times New Roman" panose="02020603050405020304" pitchFamily="18" charset="0"/>
-              </a:rPr>
-              <a:t>+ W</a:t>
-            </a:r>
-            <a:r>
-              <a:rPr lang="en-US" i="1" baseline="-25000" dirty="0">
-                <a:latin typeface="Times New Roman" panose="02020603050405020304" pitchFamily="18" charset="0"/>
-                <a:cs typeface="Times New Roman" panose="02020603050405020304" pitchFamily="18" charset="0"/>
-              </a:rPr>
-              <a:t>B</a:t>
-            </a:r>
-            <a:r>
-              <a:rPr lang="en-US" i="1" dirty="0">
-                <a:latin typeface="Times New Roman" panose="02020603050405020304" pitchFamily="18" charset="0"/>
-                <a:cs typeface="Times New Roman" panose="02020603050405020304" pitchFamily="18" charset="0"/>
-              </a:rPr>
-              <a:t>*M</a:t>
-            </a:r>
-            <a:r>
-              <a:rPr lang="en-US" i="1" baseline="-25000" dirty="0">
-                <a:latin typeface="Times New Roman" panose="02020603050405020304" pitchFamily="18" charset="0"/>
-                <a:cs typeface="Times New Roman" panose="02020603050405020304" pitchFamily="18" charset="0"/>
-              </a:rPr>
-              <a:t>B</a:t>
-            </a:r>
-            <a:r>
-              <a:rPr lang="en-US" i="1" dirty="0">
-                <a:latin typeface="Times New Roman" panose="02020603050405020304" pitchFamily="18" charset="0"/>
-                <a:cs typeface="Times New Roman" panose="02020603050405020304" pitchFamily="18" charset="0"/>
-              </a:rPr>
-              <a:t> + W</a:t>
-            </a:r>
-            <a:r>
-              <a:rPr lang="en-US" i="1" baseline="-25000" dirty="0">
-                <a:latin typeface="Times New Roman" panose="02020603050405020304" pitchFamily="18" charset="0"/>
-                <a:cs typeface="Times New Roman" panose="02020603050405020304" pitchFamily="18" charset="0"/>
-              </a:rPr>
-              <a:t>C</a:t>
-            </a:r>
-            <a:r>
-              <a:rPr lang="en-US" i="1" dirty="0">
-                <a:latin typeface="Times New Roman" panose="02020603050405020304" pitchFamily="18" charset="0"/>
-                <a:cs typeface="Times New Roman" panose="02020603050405020304" pitchFamily="18" charset="0"/>
-              </a:rPr>
-              <a:t>*M</a:t>
-            </a:r>
-            <a:r>
-              <a:rPr lang="en-US" i="1" baseline="-25000" dirty="0">
-                <a:latin typeface="Times New Roman" panose="02020603050405020304" pitchFamily="18" charset="0"/>
-                <a:cs typeface="Times New Roman" panose="02020603050405020304" pitchFamily="18" charset="0"/>
-              </a:rPr>
-              <a:t>C</a:t>
-            </a:r>
-            <a:r>
-              <a:rPr lang="en-US" i="1" dirty="0">
-                <a:latin typeface="Times New Roman" panose="02020603050405020304" pitchFamily="18" charset="0"/>
-                <a:cs typeface="Times New Roman" panose="02020603050405020304" pitchFamily="18" charset="0"/>
-              </a:rPr>
-              <a:t> ….+ W</a:t>
-            </a:r>
-            <a:r>
-              <a:rPr lang="en-US" i="1" baseline="-25000" dirty="0">
-                <a:latin typeface="Times New Roman" panose="02020603050405020304" pitchFamily="18" charset="0"/>
-                <a:cs typeface="Times New Roman" panose="02020603050405020304" pitchFamily="18" charset="0"/>
-              </a:rPr>
-              <a:t>N</a:t>
-            </a:r>
-            <a:r>
-              <a:rPr lang="en-US" i="1" dirty="0">
-                <a:latin typeface="Times New Roman" panose="02020603050405020304" pitchFamily="18" charset="0"/>
-                <a:cs typeface="Times New Roman" panose="02020603050405020304" pitchFamily="18" charset="0"/>
-              </a:rPr>
-              <a:t>*M</a:t>
-            </a:r>
-            <a:r>
-              <a:rPr lang="en-US" i="1" baseline="-25000" dirty="0">
-                <a:latin typeface="Times New Roman" panose="02020603050405020304" pitchFamily="18" charset="0"/>
-                <a:cs typeface="Times New Roman" panose="02020603050405020304" pitchFamily="18" charset="0"/>
-              </a:rPr>
-              <a:t>N</a:t>
-            </a:r>
-            <a:endParaRPr lang="en-US" i="1" dirty="0">
-              <a:latin typeface="Times New Roman" panose="02020603050405020304" pitchFamily="18" charset="0"/>
-              <a:cs typeface="Times New Roman" panose="02020603050405020304" pitchFamily="18" charset="0"/>
-            </a:endParaRPr>
-          </a:p>
-        </p:txBody>
-      </p:sp>
-      <p:sp>
-        <p:nvSpPr>
-          <p:cNvPr id="27" name="Rectangle 26">
-            <a:extLst>
-              <a:ext uri="{FF2B5EF4-FFF2-40B4-BE49-F238E27FC236}">
-                <a16:creationId xmlns:a16="http://schemas.microsoft.com/office/drawing/2014/main" id="{EBCB4EAB-D94C-4B63-9194-3FA88017C439}"/>
-              </a:ext>
-            </a:extLst>
-          </p:cNvPr>
-          <p:cNvSpPr/>
-          <p:nvPr/>
-        </p:nvSpPr>
-        <p:spPr>
-          <a:xfrm>
-            <a:off x="5638801" y="4761767"/>
-            <a:ext cx="4914900" cy="338554"/>
-          </a:xfrm>
-          <a:prstGeom prst="rect">
-            <a:avLst/>
-          </a:prstGeom>
-        </p:spPr>
-        <p:txBody>
-          <a:bodyPr wrap="square">
-            <a:spAutoFit/>
-          </a:bodyPr>
-          <a:lstStyle/>
-          <a:p>
-            <a:r>
-              <a:rPr lang="en-US" sz="1600" dirty="0">
-                <a:latin typeface="Times New Roman" panose="02020603050405020304" pitchFamily="18" charset="0"/>
-                <a:cs typeface="Times New Roman" panose="02020603050405020304" pitchFamily="18" charset="0"/>
-              </a:rPr>
-              <a:t>W</a:t>
-            </a:r>
-            <a:r>
-              <a:rPr lang="en-US" sz="1600" baseline="-25000" dirty="0">
-                <a:latin typeface="Times New Roman" panose="02020603050405020304" pitchFamily="18" charset="0"/>
-                <a:cs typeface="Times New Roman" panose="02020603050405020304" pitchFamily="18" charset="0"/>
-              </a:rPr>
-              <a:t>N </a:t>
-            </a:r>
-            <a:r>
-              <a:rPr lang="en-US" sz="1600" dirty="0">
-                <a:latin typeface="Times New Roman" panose="02020603050405020304" pitchFamily="18" charset="0"/>
-                <a:cs typeface="Times New Roman" panose="02020603050405020304" pitchFamily="18" charset="0"/>
-              </a:rPr>
-              <a:t>is a weight is assigned to the outcome of a model M</a:t>
-            </a:r>
-            <a:r>
-              <a:rPr lang="en-US" sz="1600" baseline="-25000" dirty="0">
-                <a:latin typeface="Times New Roman" panose="02020603050405020304" pitchFamily="18" charset="0"/>
-                <a:cs typeface="Times New Roman" panose="02020603050405020304" pitchFamily="18" charset="0"/>
-              </a:rPr>
-              <a:t>N</a:t>
-            </a:r>
-            <a:r>
-              <a:rPr lang="en-US" sz="1600" dirty="0">
-                <a:latin typeface="Times New Roman" panose="02020603050405020304" pitchFamily="18" charset="0"/>
-                <a:cs typeface="Times New Roman" panose="02020603050405020304" pitchFamily="18" charset="0"/>
-              </a:rPr>
-              <a:t> </a:t>
-            </a:r>
-            <a:endParaRPr lang="en-US" sz="1600" dirty="0"/>
-          </a:p>
-        </p:txBody>
-      </p:sp>
-      <p:sp>
-        <p:nvSpPr>
-          <p:cNvPr id="28" name="Title 1">
-            <a:extLst>
-              <a:ext uri="{FF2B5EF4-FFF2-40B4-BE49-F238E27FC236}">
-                <a16:creationId xmlns:a16="http://schemas.microsoft.com/office/drawing/2014/main" id="{CFB91B93-94AC-41A4-A891-75A3067C5EE6}"/>
-              </a:ext>
-            </a:extLst>
-          </p:cNvPr>
-          <p:cNvSpPr txBox="1">
-            <a:spLocks/>
-          </p:cNvSpPr>
-          <p:nvPr/>
-        </p:nvSpPr>
-        <p:spPr>
-          <a:xfrm>
-            <a:off x="3902962" y="350529"/>
-            <a:ext cx="4739640" cy="426720"/>
-          </a:xfrm>
-          <a:prstGeom prst="rect">
-            <a:avLst/>
-          </a:prstGeom>
-        </p:spPr>
-        <p:txBody>
-          <a:bodyPr vert="horz" lIns="91440" tIns="45720" rIns="91440" bIns="45720" rtlCol="0" anchor="ctr">
-            <a:normAutofit/>
-          </a:bodyPr>
-          <a:lstStyle>
-            <a:lvl1pPr algn="ctr" defTabSz="457200" rtl="0" eaLnBrk="1" latinLnBrk="0" hangingPunct="1">
-              <a:spcBef>
-                <a:spcPct val="0"/>
-              </a:spcBef>
-              <a:buNone/>
-              <a:defRPr sz="4400" kern="1200">
-                <a:solidFill>
-                  <a:schemeClr val="tx1"/>
-                </a:solidFill>
-                <a:latin typeface="+mj-lt"/>
-                <a:ea typeface="+mj-ea"/>
-                <a:cs typeface="+mj-cs"/>
-              </a:defRPr>
-            </a:lvl1pPr>
-          </a:lstStyle>
-          <a:p>
-            <a:r>
-              <a:rPr lang="en-US" sz="2000" b="1" dirty="0">
-                <a:latin typeface="Times New Roman" panose="02020603050405020304" pitchFamily="18" charset="0"/>
-              </a:rPr>
-              <a:t>Ensemble Forecasts</a:t>
-            </a:r>
-            <a:endParaRPr lang="en-US" sz="2000" b="1" dirty="0"/>
-          </a:p>
-        </p:txBody>
-      </p:sp>
-      <p:sp>
-        <p:nvSpPr>
-          <p:cNvPr id="29" name="Rectangle 28">
-            <a:extLst>
-              <a:ext uri="{FF2B5EF4-FFF2-40B4-BE49-F238E27FC236}">
-                <a16:creationId xmlns:a16="http://schemas.microsoft.com/office/drawing/2014/main" id="{B2F96A09-AB4F-43BD-B59B-CD459D1D1201}"/>
-              </a:ext>
-            </a:extLst>
-          </p:cNvPr>
-          <p:cNvSpPr/>
-          <p:nvPr/>
-        </p:nvSpPr>
-        <p:spPr>
-          <a:xfrm>
-            <a:off x="2235832" y="6084312"/>
-            <a:ext cx="7031666" cy="523220"/>
-          </a:xfrm>
-          <a:prstGeom prst="rect">
-            <a:avLst/>
-          </a:prstGeom>
-        </p:spPr>
-        <p:txBody>
-          <a:bodyPr wrap="square">
-            <a:spAutoFit/>
-          </a:bodyPr>
-          <a:lstStyle/>
-          <a:p>
-            <a:pPr marL="173355" indent="-237490" algn="just">
-              <a:spcAft>
-                <a:spcPts val="200"/>
-              </a:spcAft>
-            </a:pPr>
-            <a:r>
-              <a:rPr lang="en-US" sz="1400" dirty="0">
-                <a:latin typeface="Times New Roman" panose="02020603050405020304" pitchFamily="18" charset="0"/>
-                <a:ea typeface="SimSun" panose="02010600030101010101" pitchFamily="2" charset="-122"/>
-              </a:rPr>
-              <a:t>T. Hastie, R. </a:t>
-            </a:r>
-            <a:r>
-              <a:rPr lang="en-US" sz="1400" dirty="0" err="1">
-                <a:latin typeface="Times New Roman" panose="02020603050405020304" pitchFamily="18" charset="0"/>
-                <a:ea typeface="SimSun" panose="02010600030101010101" pitchFamily="2" charset="-122"/>
-              </a:rPr>
-              <a:t>Tibshirani</a:t>
-            </a:r>
-            <a:r>
-              <a:rPr lang="en-US" sz="1400" dirty="0">
-                <a:latin typeface="Times New Roman" panose="02020603050405020304" pitchFamily="18" charset="0"/>
-                <a:ea typeface="SimSun" panose="02010600030101010101" pitchFamily="2" charset="-122"/>
-              </a:rPr>
-              <a:t>, J. Friedman, and others, </a:t>
-            </a:r>
-            <a:r>
-              <a:rPr lang="en-US" sz="1400" i="1" dirty="0">
-                <a:latin typeface="Times New Roman" panose="02020603050405020304" pitchFamily="18" charset="0"/>
-                <a:ea typeface="SimSun" panose="02010600030101010101" pitchFamily="2" charset="-122"/>
-              </a:rPr>
-              <a:t>The elements of statistical learning</a:t>
-            </a:r>
-            <a:r>
-              <a:rPr lang="en-US" sz="1400" dirty="0">
-                <a:latin typeface="Times New Roman" panose="02020603050405020304" pitchFamily="18" charset="0"/>
-                <a:ea typeface="SimSun" panose="02010600030101010101" pitchFamily="2" charset="-122"/>
-              </a:rPr>
-              <a:t>, 2</a:t>
-            </a:r>
-            <a:r>
-              <a:rPr lang="en-US" sz="1400" baseline="30000" dirty="0">
-                <a:latin typeface="Times New Roman" panose="02020603050405020304" pitchFamily="18" charset="0"/>
-                <a:ea typeface="SimSun" panose="02010600030101010101" pitchFamily="2" charset="-122"/>
-              </a:rPr>
-              <a:t>nd </a:t>
-            </a:r>
-            <a:r>
-              <a:rPr lang="en-US" sz="1400" dirty="0">
-                <a:latin typeface="Times New Roman" panose="02020603050405020304" pitchFamily="18" charset="0"/>
-                <a:ea typeface="SimSun" panose="02010600030101010101" pitchFamily="2" charset="-122"/>
-              </a:rPr>
-              <a:t>Edition. Springer-Verlag New York, 2009.</a:t>
-            </a:r>
-            <a:endParaRPr lang="en-US" dirty="0">
-              <a:latin typeface="Times New Roman" panose="02020603050405020304" pitchFamily="18" charset="0"/>
-              <a:ea typeface="SimSun" panose="02010600030101010101" pitchFamily="2" charset="-122"/>
-            </a:endParaRPr>
-          </a:p>
-        </p:txBody>
-      </p:sp>
-      <p:sp>
-        <p:nvSpPr>
-          <p:cNvPr id="30" name="Slide Number Placeholder 3">
-            <a:extLst>
-              <a:ext uri="{FF2B5EF4-FFF2-40B4-BE49-F238E27FC236}">
-                <a16:creationId xmlns:a16="http://schemas.microsoft.com/office/drawing/2014/main" id="{DABC2CA9-E226-426A-9F65-09E30F807A27}"/>
-              </a:ext>
-            </a:extLst>
-          </p:cNvPr>
-          <p:cNvSpPr>
-            <a:spLocks noGrp="1"/>
-          </p:cNvSpPr>
-          <p:nvPr>
-            <p:ph type="sldNum" sz="quarter" idx="12"/>
-          </p:nvPr>
-        </p:nvSpPr>
-        <p:spPr>
-          <a:xfrm>
-            <a:off x="8610600" y="6356350"/>
-            <a:ext cx="2743200" cy="365125"/>
-          </a:xfrm>
-        </p:spPr>
-        <p:txBody>
-          <a:bodyPr/>
-          <a:lstStyle/>
-          <a:p>
-            <a:fld id="{10038807-1F43-C242-97ED-819D14105488}" type="slidenum">
-              <a:rPr lang="en-US" smtClean="0">
-                <a:solidFill>
-                  <a:schemeClr val="tx1"/>
-                </a:solidFill>
-              </a:rPr>
-              <a:t>10</a:t>
-            </a:fld>
-            <a:endParaRPr lang="en-US" dirty="0">
-              <a:solidFill>
-                <a:schemeClr val="tx1"/>
-              </a:solidFill>
-            </a:endParaRPr>
-          </a:p>
-        </p:txBody>
-      </p:sp>
-      <p:grpSp>
-        <p:nvGrpSpPr>
-          <p:cNvPr id="31" name="Group 30">
-            <a:extLst>
-              <a:ext uri="{FF2B5EF4-FFF2-40B4-BE49-F238E27FC236}">
-                <a16:creationId xmlns:a16="http://schemas.microsoft.com/office/drawing/2014/main" id="{BA22C756-BC6C-43DD-B96C-4FF3EB2E072D}"/>
-              </a:ext>
-            </a:extLst>
-          </p:cNvPr>
-          <p:cNvGrpSpPr/>
-          <p:nvPr/>
-        </p:nvGrpSpPr>
-        <p:grpSpPr>
-          <a:xfrm>
-            <a:off x="1789021" y="1263775"/>
-            <a:ext cx="8143873" cy="2496878"/>
-            <a:chOff x="1969608" y="3901887"/>
-            <a:chExt cx="7713952" cy="2189486"/>
-          </a:xfrm>
-        </p:grpSpPr>
-        <p:grpSp>
-          <p:nvGrpSpPr>
-            <p:cNvPr id="32" name="Group 31">
-              <a:extLst>
-                <a:ext uri="{FF2B5EF4-FFF2-40B4-BE49-F238E27FC236}">
-                  <a16:creationId xmlns:a16="http://schemas.microsoft.com/office/drawing/2014/main" id="{93BAF052-4FA1-44FE-8A20-99007A546433}"/>
-                </a:ext>
-              </a:extLst>
-            </p:cNvPr>
-            <p:cNvGrpSpPr/>
-            <p:nvPr/>
-          </p:nvGrpSpPr>
-          <p:grpSpPr>
-            <a:xfrm>
-              <a:off x="1969608" y="3901887"/>
-              <a:ext cx="7713952" cy="2189486"/>
-              <a:chOff x="-67310" y="1"/>
-              <a:chExt cx="5634143" cy="1821898"/>
-            </a:xfrm>
-          </p:grpSpPr>
-          <p:cxnSp>
-            <p:nvCxnSpPr>
-              <p:cNvPr id="35" name="Straight Arrow Connector 34">
-                <a:extLst>
-                  <a:ext uri="{FF2B5EF4-FFF2-40B4-BE49-F238E27FC236}">
-                    <a16:creationId xmlns:a16="http://schemas.microsoft.com/office/drawing/2014/main" id="{B4276046-04DB-4507-855A-6FAA341B274D}"/>
-                  </a:ext>
-                </a:extLst>
-              </p:cNvPr>
-              <p:cNvCxnSpPr>
-                <a:cxnSpLocks/>
-                <a:stCxn id="33" idx="3"/>
-              </p:cNvCxnSpPr>
-              <p:nvPr/>
-            </p:nvCxnSpPr>
-            <p:spPr>
-              <a:xfrm>
-                <a:off x="1902773" y="222031"/>
-                <a:ext cx="951055" cy="351473"/>
-              </a:xfrm>
-              <a:prstGeom prst="straightConnector1">
-                <a:avLst/>
-              </a:prstGeom>
-              <a:noFill/>
-              <a:ln w="34925" cap="flat" cmpd="sng" algn="ctr">
-                <a:solidFill>
-                  <a:sysClr val="windowText" lastClr="000000"/>
-                </a:solidFill>
-                <a:prstDash val="solid"/>
-                <a:miter lim="800000"/>
-                <a:headEnd type="none" w="med" len="med"/>
-                <a:tailEnd type="triangle" w="lg" len="lg"/>
-              </a:ln>
-              <a:effectLst/>
-            </p:spPr>
-          </p:cxnSp>
-          <p:cxnSp>
-            <p:nvCxnSpPr>
-              <p:cNvPr id="36" name="Straight Arrow Connector 35">
-                <a:extLst>
-                  <a:ext uri="{FF2B5EF4-FFF2-40B4-BE49-F238E27FC236}">
-                    <a16:creationId xmlns:a16="http://schemas.microsoft.com/office/drawing/2014/main" id="{5271E1BB-2557-44DC-BF37-9B2F31F8D6DA}"/>
-                  </a:ext>
-                </a:extLst>
-              </p:cNvPr>
-              <p:cNvCxnSpPr>
-                <a:cxnSpLocks/>
-                <a:stCxn id="34" idx="3"/>
-                <a:endCxn id="40" idx="1"/>
-              </p:cNvCxnSpPr>
-              <p:nvPr/>
-            </p:nvCxnSpPr>
-            <p:spPr>
-              <a:xfrm>
-                <a:off x="1902772" y="669235"/>
-                <a:ext cx="954729" cy="104304"/>
-              </a:xfrm>
-              <a:prstGeom prst="straightConnector1">
-                <a:avLst/>
-              </a:prstGeom>
-              <a:noFill/>
-              <a:ln w="34925" cap="flat" cmpd="sng" algn="ctr">
-                <a:solidFill>
-                  <a:sysClr val="windowText" lastClr="000000"/>
-                </a:solidFill>
-                <a:prstDash val="solid"/>
-                <a:miter lim="800000"/>
-                <a:headEnd type="none" w="med" len="med"/>
-                <a:tailEnd type="triangle" w="lg" len="lg"/>
-              </a:ln>
-              <a:effectLst/>
-            </p:spPr>
-          </p:cxnSp>
-          <p:grpSp>
-            <p:nvGrpSpPr>
-              <p:cNvPr id="37" name="Group 36">
-                <a:extLst>
-                  <a:ext uri="{FF2B5EF4-FFF2-40B4-BE49-F238E27FC236}">
-                    <a16:creationId xmlns:a16="http://schemas.microsoft.com/office/drawing/2014/main" id="{9105BA5C-1E39-4D84-83D0-E4FCC50AF3CD}"/>
-                  </a:ext>
-                </a:extLst>
-              </p:cNvPr>
-              <p:cNvGrpSpPr/>
-              <p:nvPr/>
-            </p:nvGrpSpPr>
-            <p:grpSpPr>
-              <a:xfrm>
-                <a:off x="-67310" y="1"/>
-                <a:ext cx="5634143" cy="1821898"/>
-                <a:chOff x="-67310" y="1"/>
-                <a:chExt cx="5634143" cy="1821898"/>
-              </a:xfrm>
-            </p:grpSpPr>
-            <p:sp>
-              <p:nvSpPr>
-                <p:cNvPr id="38" name="Rounded Rectangle 53">
-                  <a:extLst>
-                    <a:ext uri="{FF2B5EF4-FFF2-40B4-BE49-F238E27FC236}">
-                      <a16:creationId xmlns:a16="http://schemas.microsoft.com/office/drawing/2014/main" id="{6FD88261-8085-45A4-9057-23224815472D}"/>
-                    </a:ext>
-                  </a:extLst>
-                </p:cNvPr>
-                <p:cNvSpPr/>
-                <p:nvPr/>
-              </p:nvSpPr>
-              <p:spPr>
-                <a:xfrm>
-                  <a:off x="1122344" y="959241"/>
-                  <a:ext cx="790282" cy="307154"/>
-                </a:xfrm>
-                <a:prstGeom prst="roundRect">
-                  <a:avLst/>
-                </a:prstGeom>
-                <a:solidFill>
-                  <a:sysClr val="window" lastClr="FFFFFF"/>
-                </a:solidFill>
-                <a:ln w="12700" cap="flat" cmpd="sng" algn="ctr">
-                  <a:solidFill>
-                    <a:sysClr val="windowText" lastClr="000000"/>
-                  </a:solidFill>
-                  <a:prstDash val="solid"/>
-                  <a:miter lim="800000"/>
-                </a:ln>
-                <a:effectLst/>
-              </p:spPr>
-              <p:txBody>
-                <a:bodyPr rot="0" spcFirstLastPara="0" vert="horz" wrap="square" lIns="91440" tIns="45720" rIns="91440" bIns="45720" numCol="1" spcCol="0" rtlCol="0" fromWordArt="0" anchor="ctr" anchorCtr="0" forceAA="0" compatLnSpc="1">
-                  <a:prstTxWarp prst="textNoShape">
-                    <a:avLst/>
-                  </a:prstTxWarp>
-                  <a:noAutofit/>
-                </a:bodyPr>
-                <a:lstStyle/>
-                <a:p>
-                  <a:pPr marL="0" marR="0" lvl="0" indent="0" algn="ctr" defTabSz="914400" eaLnBrk="1" fontAlgn="auto" latinLnBrk="0" hangingPunct="1">
-                    <a:lnSpc>
-                      <a:spcPct val="100000"/>
-                    </a:lnSpc>
-                    <a:spcBef>
-                      <a:spcPts val="0"/>
-                    </a:spcBef>
-                    <a:spcAft>
-                      <a:spcPts val="0"/>
-                    </a:spcAft>
-                    <a:buClrTx/>
-                    <a:buSzTx/>
-                    <a:buFontTx/>
-                    <a:buNone/>
-                    <a:tabLst/>
-                    <a:defRPr/>
-                  </a:pPr>
-                  <a:r>
-                    <a:rPr kumimoji="0" lang="en-US" b="0" i="0" u="none" strike="noStrike" kern="0" cap="none" spc="0" normalizeH="0" baseline="0" noProof="0" dirty="0">
-                      <a:ln>
-                        <a:noFill/>
-                      </a:ln>
-                      <a:solidFill>
-                        <a:prstClr val="black"/>
-                      </a:solidFill>
-                      <a:effectLst/>
-                      <a:uLnTx/>
-                      <a:uFillTx/>
-                      <a:latin typeface="Times New Roman" panose="02020603050405020304" pitchFamily="18" charset="0"/>
-                      <a:ea typeface="ＭＳ 明朝"/>
-                      <a:cs typeface="Times New Roman" panose="02020603050405020304" pitchFamily="18" charset="0"/>
-                    </a:rPr>
-                    <a:t>Model N</a:t>
-                  </a:r>
-                </a:p>
-              </p:txBody>
-            </p:sp>
-            <p:sp>
-              <p:nvSpPr>
-                <p:cNvPr id="39" name="Rounded Rectangle 54">
-                  <a:extLst>
-                    <a:ext uri="{FF2B5EF4-FFF2-40B4-BE49-F238E27FC236}">
-                      <a16:creationId xmlns:a16="http://schemas.microsoft.com/office/drawing/2014/main" id="{A12E45E2-4172-4CE0-8647-41B01681ED0B}"/>
-                    </a:ext>
-                  </a:extLst>
-                </p:cNvPr>
-                <p:cNvSpPr/>
-                <p:nvPr/>
-              </p:nvSpPr>
-              <p:spPr>
-                <a:xfrm>
-                  <a:off x="1122344" y="1413128"/>
-                  <a:ext cx="790282" cy="408771"/>
-                </a:xfrm>
-                <a:prstGeom prst="roundRect">
-                  <a:avLst/>
-                </a:prstGeom>
-                <a:solidFill>
-                  <a:sysClr val="window" lastClr="FFFFFF"/>
-                </a:solidFill>
-                <a:ln w="12700" cap="flat" cmpd="sng" algn="ctr">
-                  <a:solidFill>
-                    <a:sysClr val="windowText" lastClr="000000"/>
-                  </a:solidFill>
-                  <a:prstDash val="solid"/>
-                  <a:miter lim="800000"/>
-                </a:ln>
-                <a:effectLst/>
-              </p:spPr>
-              <p:txBody>
-                <a:bodyPr rot="0" spcFirstLastPara="0" vert="horz" wrap="square" lIns="91440" tIns="45720" rIns="91440" bIns="45720" numCol="1" spcCol="0" rtlCol="0" fromWordArt="0" anchor="ctr" anchorCtr="0" forceAA="0" compatLnSpc="1">
-                  <a:prstTxWarp prst="textNoShape">
-                    <a:avLst/>
-                  </a:prstTxWarp>
-                  <a:noAutofit/>
-                </a:bodyPr>
-                <a:lstStyle/>
-                <a:p>
-                  <a:pPr marL="0" marR="0" lvl="0" indent="0" algn="ctr" defTabSz="914400" eaLnBrk="1" fontAlgn="auto" latinLnBrk="0" hangingPunct="1">
-                    <a:lnSpc>
-                      <a:spcPct val="100000"/>
-                    </a:lnSpc>
-                    <a:spcBef>
-                      <a:spcPts val="0"/>
-                    </a:spcBef>
-                    <a:spcAft>
-                      <a:spcPts val="0"/>
-                    </a:spcAft>
-                    <a:buClrTx/>
-                    <a:buSzTx/>
-                    <a:buFontTx/>
-                    <a:buNone/>
-                    <a:tabLst/>
-                    <a:defRPr/>
-                  </a:pPr>
-                  <a:r>
-                    <a:rPr kumimoji="0" lang="en-US" b="0" i="0" u="none" strike="noStrike" kern="0" cap="none" spc="0" normalizeH="0" baseline="0" noProof="0" dirty="0">
-                      <a:ln>
-                        <a:noFill/>
-                      </a:ln>
-                      <a:solidFill>
-                        <a:prstClr val="black"/>
-                      </a:solidFill>
-                      <a:effectLst/>
-                      <a:uLnTx/>
-                      <a:uFillTx/>
-                      <a:latin typeface="Times New Roman" panose="02020603050405020304" pitchFamily="18" charset="0"/>
-                      <a:ea typeface="ＭＳ 明朝"/>
-                      <a:cs typeface="Times New Roman" panose="02020603050405020304" pitchFamily="18" charset="0"/>
-                    </a:rPr>
-                    <a:t>Weather Data</a:t>
-                  </a:r>
-                </a:p>
-              </p:txBody>
-            </p:sp>
-            <p:sp>
-              <p:nvSpPr>
-                <p:cNvPr id="40" name="Rounded Rectangle 55">
-                  <a:extLst>
-                    <a:ext uri="{FF2B5EF4-FFF2-40B4-BE49-F238E27FC236}">
-                      <a16:creationId xmlns:a16="http://schemas.microsoft.com/office/drawing/2014/main" id="{06D21C2C-B0D8-478F-B8D0-775913A5874E}"/>
-                    </a:ext>
-                  </a:extLst>
-                </p:cNvPr>
-                <p:cNvSpPr/>
-                <p:nvPr/>
-              </p:nvSpPr>
-              <p:spPr>
-                <a:xfrm>
-                  <a:off x="2857500" y="340047"/>
-                  <a:ext cx="1371600" cy="866982"/>
-                </a:xfrm>
-                <a:prstGeom prst="roundRect">
-                  <a:avLst/>
-                </a:prstGeom>
-                <a:solidFill>
-                  <a:sysClr val="window" lastClr="FFFFFF"/>
-                </a:solidFill>
-                <a:ln w="12700" cap="flat" cmpd="sng" algn="ctr">
-                  <a:solidFill>
-                    <a:sysClr val="windowText" lastClr="000000"/>
-                  </a:solidFill>
-                  <a:prstDash val="solid"/>
-                  <a:miter lim="800000"/>
-                </a:ln>
-                <a:effectLst/>
-              </p:spPr>
-              <p:txBody>
-                <a:bodyPr rot="0" spcFirstLastPara="0" vert="horz" wrap="square" lIns="91440" tIns="45720" rIns="91440" bIns="45720" numCol="1" spcCol="0" rtlCol="0" fromWordArt="0" anchor="ctr" anchorCtr="0" forceAA="0" compatLnSpc="1">
-                  <a:prstTxWarp prst="textNoShape">
-                    <a:avLst/>
-                  </a:prstTxWarp>
-                  <a:noAutofit/>
-                </a:bodyPr>
-                <a:lstStyle/>
-                <a:p>
-                  <a:pPr lvl="0" algn="ctr" defTabSz="914400">
-                    <a:defRPr/>
-                  </a:pPr>
-                  <a:r>
-                    <a:rPr kumimoji="0" lang="en-US" b="0" i="0" u="none" strike="noStrike" kern="0" cap="none" spc="0" normalizeH="0" baseline="0" noProof="0" dirty="0">
-                      <a:ln>
-                        <a:noFill/>
-                      </a:ln>
-                      <a:solidFill>
-                        <a:prstClr val="black"/>
-                      </a:solidFill>
-                      <a:effectLst/>
-                      <a:uLnTx/>
-                      <a:uFillTx/>
-                      <a:latin typeface="Times New Roman" panose="02020603050405020304" pitchFamily="18" charset="0"/>
-                      <a:ea typeface="ＭＳ 明朝"/>
-                      <a:cs typeface="Times New Roman" panose="02020603050405020304" pitchFamily="18" charset="0"/>
-                    </a:rPr>
-                    <a:t>Ensemble Learning (RF) </a:t>
-                  </a:r>
-                  <a:r>
-                    <a:rPr lang="en-US" kern="0" dirty="0">
-                      <a:solidFill>
-                        <a:prstClr val="black"/>
-                      </a:solidFill>
-                      <a:latin typeface="Times New Roman" panose="02020603050405020304" pitchFamily="18" charset="0"/>
-                      <a:ea typeface="ＭＳ 明朝"/>
-                      <a:cs typeface="Times New Roman" panose="02020603050405020304" pitchFamily="18" charset="0"/>
-                    </a:rPr>
-                    <a:t>for </a:t>
-                  </a:r>
-                  <a:r>
-                    <a:rPr kumimoji="0" lang="en-US" b="0" i="0" u="none" strike="noStrike" kern="0" cap="none" spc="0" normalizeH="0" baseline="0" noProof="0" dirty="0">
-                      <a:ln>
-                        <a:noFill/>
-                      </a:ln>
-                      <a:solidFill>
-                        <a:prstClr val="black"/>
-                      </a:solidFill>
-                      <a:effectLst/>
-                      <a:uLnTx/>
-                      <a:uFillTx/>
-                      <a:latin typeface="Times New Roman" panose="02020603050405020304" pitchFamily="18" charset="0"/>
-                      <a:ea typeface="ＭＳ 明朝"/>
-                      <a:cs typeface="Times New Roman" panose="02020603050405020304" pitchFamily="18" charset="0"/>
-                    </a:rPr>
-                    <a:t>Combining of </a:t>
-                  </a:r>
-                  <a:r>
-                    <a:rPr lang="en-US" kern="0" dirty="0">
-                      <a:solidFill>
-                        <a:prstClr val="black"/>
-                      </a:solidFill>
-                      <a:latin typeface="Times New Roman" panose="02020603050405020304" pitchFamily="18" charset="0"/>
-                      <a:ea typeface="ＭＳ 明朝"/>
-                      <a:cs typeface="Times New Roman" panose="02020603050405020304" pitchFamily="18" charset="0"/>
-                    </a:rPr>
-                    <a:t>Forecasts</a:t>
-                  </a:r>
-                  <a:endParaRPr kumimoji="0" lang="en-US" b="0" i="0" u="none" strike="noStrike" kern="0" cap="none" spc="0" normalizeH="0" baseline="0" noProof="0" dirty="0">
-                    <a:ln>
-                      <a:noFill/>
-                    </a:ln>
-                    <a:solidFill>
-                      <a:prstClr val="black"/>
-                    </a:solidFill>
-                    <a:effectLst/>
-                    <a:uLnTx/>
-                    <a:uFillTx/>
-                    <a:latin typeface="Times New Roman" panose="02020603050405020304" pitchFamily="18" charset="0"/>
-                    <a:ea typeface="ＭＳ 明朝"/>
-                    <a:cs typeface="Times New Roman" panose="02020603050405020304" pitchFamily="18" charset="0"/>
-                  </a:endParaRPr>
-                </a:p>
-              </p:txBody>
-            </p:sp>
-            <p:sp>
-              <p:nvSpPr>
-                <p:cNvPr id="41" name="Rounded Rectangle 56">
-                  <a:extLst>
-                    <a:ext uri="{FF2B5EF4-FFF2-40B4-BE49-F238E27FC236}">
-                      <a16:creationId xmlns:a16="http://schemas.microsoft.com/office/drawing/2014/main" id="{AD0AB34B-F76A-4983-8BE0-73183B6B620A}"/>
-                    </a:ext>
-                  </a:extLst>
-                </p:cNvPr>
-                <p:cNvSpPr/>
-                <p:nvPr/>
-              </p:nvSpPr>
-              <p:spPr>
-                <a:xfrm>
-                  <a:off x="4509107" y="514390"/>
-                  <a:ext cx="1057726" cy="506494"/>
-                </a:xfrm>
-                <a:prstGeom prst="roundRect">
-                  <a:avLst/>
-                </a:prstGeom>
-                <a:solidFill>
-                  <a:sysClr val="window" lastClr="FFFFFF"/>
-                </a:solidFill>
-                <a:ln w="12700" cap="flat" cmpd="sng" algn="ctr">
-                  <a:solidFill>
-                    <a:sysClr val="windowText" lastClr="000000"/>
-                  </a:solidFill>
-                  <a:prstDash val="solid"/>
-                  <a:miter lim="800000"/>
-                </a:ln>
-                <a:effectLst/>
-              </p:spPr>
-              <p:txBody>
-                <a:bodyPr rot="0" spcFirstLastPara="0" vert="horz" wrap="square" lIns="91440" tIns="45720" rIns="91440" bIns="45720" numCol="1" spcCol="0" rtlCol="0" fromWordArt="0" anchor="ctr" anchorCtr="0" forceAA="0" compatLnSpc="1">
-                  <a:prstTxWarp prst="textNoShape">
-                    <a:avLst/>
-                  </a:prstTxWarp>
-                  <a:noAutofit/>
-                </a:bodyPr>
-                <a:lstStyle/>
-                <a:p>
-                  <a:pPr marL="0" marR="0" lvl="0" indent="0" algn="ctr" defTabSz="914400" eaLnBrk="1" fontAlgn="auto" latinLnBrk="0" hangingPunct="1">
-                    <a:lnSpc>
-                      <a:spcPct val="100000"/>
-                    </a:lnSpc>
-                    <a:spcBef>
-                      <a:spcPts val="0"/>
-                    </a:spcBef>
-                    <a:spcAft>
-                      <a:spcPts val="0"/>
-                    </a:spcAft>
-                    <a:buClrTx/>
-                    <a:buSzTx/>
-                    <a:buFontTx/>
-                    <a:buNone/>
-                    <a:tabLst/>
-                    <a:defRPr/>
-                  </a:pPr>
-                  <a:r>
-                    <a:rPr kumimoji="0" lang="en-US" b="0" i="0" u="none" strike="noStrike" kern="0" cap="none" spc="0" normalizeH="0" baseline="0" noProof="0" dirty="0">
-                      <a:ln>
-                        <a:noFill/>
-                      </a:ln>
-                      <a:solidFill>
-                        <a:prstClr val="black"/>
-                      </a:solidFill>
-                      <a:effectLst/>
-                      <a:uLnTx/>
-                      <a:uFillTx/>
-                      <a:latin typeface="Times New Roman" panose="02020603050405020304" pitchFamily="18" charset="0"/>
-                      <a:ea typeface="ＭＳ 明朝"/>
-                      <a:cs typeface="Times New Roman" panose="02020603050405020304" pitchFamily="18" charset="0"/>
-                    </a:rPr>
-                    <a:t>Combined Forecasts</a:t>
-                  </a:r>
-                </a:p>
-              </p:txBody>
-            </p:sp>
-            <p:sp>
-              <p:nvSpPr>
-                <p:cNvPr id="42" name="Rounded Rectangle 58">
-                  <a:extLst>
-                    <a:ext uri="{FF2B5EF4-FFF2-40B4-BE49-F238E27FC236}">
-                      <a16:creationId xmlns:a16="http://schemas.microsoft.com/office/drawing/2014/main" id="{1140BDE0-1138-4307-8DF8-4BC6CAFB701B}"/>
-                    </a:ext>
-                  </a:extLst>
-                </p:cNvPr>
-                <p:cNvSpPr/>
-                <p:nvPr/>
-              </p:nvSpPr>
-              <p:spPr>
-                <a:xfrm>
-                  <a:off x="-67310" y="95824"/>
-                  <a:ext cx="1132840" cy="1206703"/>
-                </a:xfrm>
-                <a:prstGeom prst="roundRect">
-                  <a:avLst/>
-                </a:prstGeom>
-                <a:noFill/>
-                <a:ln w="12700" cap="flat" cmpd="sng" algn="ctr">
-                  <a:noFill/>
-                  <a:prstDash val="solid"/>
-                  <a:miter lim="800000"/>
-                </a:ln>
-                <a:effectLst/>
-              </p:spPr>
-              <p:txBody>
-                <a:bodyPr rot="0" spcFirstLastPara="0" vert="horz" wrap="square" lIns="91440" tIns="45720" rIns="91440" bIns="45720" numCol="1" spcCol="0" rtlCol="0" fromWordArt="0" anchor="ctr" anchorCtr="0" forceAA="0" compatLnSpc="1">
-                  <a:prstTxWarp prst="textNoShape">
-                    <a:avLst/>
-                  </a:prstTxWarp>
-                  <a:noAutofit/>
-                </a:bodyPr>
-                <a:lstStyle/>
-                <a:p>
-                  <a:pPr lvl="0" algn="ctr" defTabSz="914400">
-                    <a:defRPr/>
-                  </a:pPr>
-                  <a:r>
-                    <a:rPr lang="en-US" kern="0" dirty="0">
-                      <a:solidFill>
-                        <a:prstClr val="black"/>
-                      </a:solidFill>
-                      <a:latin typeface="Times New Roman" panose="02020603050405020304" pitchFamily="18" charset="0"/>
-                      <a:ea typeface="ＭＳ 明朝"/>
-                      <a:cs typeface="Times New Roman" panose="02020603050405020304" pitchFamily="18" charset="0"/>
-                    </a:rPr>
-                    <a:t>Individual Forecasts of </a:t>
-                  </a:r>
-                  <a:r>
-                    <a:rPr kumimoji="0" lang="en-US" b="0" i="0" u="none" strike="noStrike" kern="0" cap="none" spc="0" normalizeH="0" baseline="0" noProof="0" dirty="0">
-                      <a:ln>
-                        <a:noFill/>
-                      </a:ln>
-                      <a:solidFill>
-                        <a:prstClr val="black"/>
-                      </a:solidFill>
-                      <a:effectLst/>
-                      <a:uLnTx/>
-                      <a:uFillTx/>
-                      <a:latin typeface="Times New Roman" panose="02020603050405020304" pitchFamily="18" charset="0"/>
-                      <a:ea typeface="ＭＳ 明朝"/>
-                      <a:cs typeface="Times New Roman" panose="02020603050405020304" pitchFamily="18" charset="0"/>
-                    </a:rPr>
-                    <a:t>PV Solar  Power</a:t>
-                  </a:r>
-                </a:p>
-              </p:txBody>
-            </p:sp>
-            <p:sp>
-              <p:nvSpPr>
-                <p:cNvPr id="43" name="Left Brace 42">
-                  <a:extLst>
-                    <a:ext uri="{FF2B5EF4-FFF2-40B4-BE49-F238E27FC236}">
-                      <a16:creationId xmlns:a16="http://schemas.microsoft.com/office/drawing/2014/main" id="{C91BA03B-7DB6-40BF-8DBD-345DAE5D7DF4}"/>
-                    </a:ext>
-                  </a:extLst>
-                </p:cNvPr>
-                <p:cNvSpPr/>
-                <p:nvPr/>
-              </p:nvSpPr>
-              <p:spPr>
-                <a:xfrm>
-                  <a:off x="930215" y="1"/>
-                  <a:ext cx="231530" cy="1302527"/>
-                </a:xfrm>
-                <a:prstGeom prst="leftBrace">
-                  <a:avLst/>
-                </a:prstGeom>
-                <a:noFill/>
-                <a:ln w="12700" cap="flat" cmpd="sng" algn="ctr">
-                  <a:solidFill>
-                    <a:sysClr val="windowText" lastClr="000000"/>
-                  </a:solidFill>
-                  <a:prstDash val="solid"/>
-                  <a:miter lim="800000"/>
-                </a:ln>
-                <a:effectLst/>
-              </p:spPr>
-              <p:txBody>
-                <a:bodyPr rot="0" spcFirstLastPara="0" vert="horz" wrap="square" lIns="91440" tIns="45720" rIns="91440" bIns="45720" numCol="1" spcCol="0" rtlCol="0" fromWordArt="0" anchor="ctr" anchorCtr="0" forceAA="0" compatLnSpc="1">
-                  <a:prstTxWarp prst="textNoShape">
-                    <a:avLst/>
-                  </a:prstTxWarp>
-                  <a:noAutofit/>
-                </a:bodyPr>
-                <a:lstStyle/>
-                <a:p>
-                  <a:pPr marL="0" marR="0" lvl="0" indent="0" algn="ctr" defTabSz="914400" eaLnBrk="1" fontAlgn="auto" latinLnBrk="0" hangingPunct="1">
-                    <a:lnSpc>
-                      <a:spcPct val="100000"/>
-                    </a:lnSpc>
-                    <a:spcBef>
-                      <a:spcPts val="0"/>
-                    </a:spcBef>
-                    <a:spcAft>
-                      <a:spcPts val="0"/>
-                    </a:spcAft>
-                    <a:buClrTx/>
-                    <a:buSzTx/>
-                    <a:buFontTx/>
-                    <a:buNone/>
-                    <a:tabLst/>
-                    <a:defRPr/>
-                  </a:pPr>
-                  <a:endParaRPr kumimoji="0" lang="en-US" b="0" i="0" u="none" strike="noStrike" kern="0" cap="none" spc="0" normalizeH="0" baseline="0" noProof="0">
-                    <a:ln>
-                      <a:noFill/>
-                    </a:ln>
-                    <a:solidFill>
-                      <a:prstClr val="black"/>
-                    </a:solidFill>
-                    <a:effectLst/>
-                    <a:uLnTx/>
-                    <a:uFillTx/>
-                    <a:latin typeface="Times New Roman" panose="02020603050405020304" pitchFamily="18" charset="0"/>
-                    <a:ea typeface="+mn-ea"/>
-                    <a:cs typeface="Times New Roman" panose="02020603050405020304" pitchFamily="18" charset="0"/>
-                  </a:endParaRPr>
-                </a:p>
-              </p:txBody>
-            </p:sp>
-            <p:cxnSp>
-              <p:nvCxnSpPr>
-                <p:cNvPr id="44" name="Straight Arrow Connector 43">
-                  <a:extLst>
-                    <a:ext uri="{FF2B5EF4-FFF2-40B4-BE49-F238E27FC236}">
-                      <a16:creationId xmlns:a16="http://schemas.microsoft.com/office/drawing/2014/main" id="{CC09C015-27BB-437D-B37F-DAABA620E18D}"/>
-                    </a:ext>
-                  </a:extLst>
-                </p:cNvPr>
-                <p:cNvCxnSpPr>
-                  <a:cxnSpLocks/>
-                  <a:stCxn id="38" idx="3"/>
-                </p:cNvCxnSpPr>
-                <p:nvPr/>
-              </p:nvCxnSpPr>
-              <p:spPr>
-                <a:xfrm flipV="1">
-                  <a:off x="1912626" y="894438"/>
-                  <a:ext cx="938059" cy="218380"/>
-                </a:xfrm>
-                <a:prstGeom prst="straightConnector1">
-                  <a:avLst/>
-                </a:prstGeom>
-                <a:noFill/>
-                <a:ln w="34925" cap="flat" cmpd="sng" algn="ctr">
-                  <a:solidFill>
-                    <a:sysClr val="windowText" lastClr="000000"/>
-                  </a:solidFill>
-                  <a:prstDash val="solid"/>
-                  <a:miter lim="800000"/>
-                  <a:headEnd type="none" w="med" len="med"/>
-                  <a:tailEnd type="triangle" w="lg" len="lg"/>
-                </a:ln>
-                <a:effectLst/>
-              </p:spPr>
-            </p:cxnSp>
-            <p:cxnSp>
-              <p:nvCxnSpPr>
-                <p:cNvPr id="45" name="Straight Arrow Connector 44">
-                  <a:extLst>
-                    <a:ext uri="{FF2B5EF4-FFF2-40B4-BE49-F238E27FC236}">
-                      <a16:creationId xmlns:a16="http://schemas.microsoft.com/office/drawing/2014/main" id="{C8BE9489-7F9C-476C-9563-09B326385EE9}"/>
-                    </a:ext>
-                  </a:extLst>
-                </p:cNvPr>
-                <p:cNvCxnSpPr>
-                  <a:cxnSpLocks/>
-                  <a:stCxn id="39" idx="3"/>
-                </p:cNvCxnSpPr>
-                <p:nvPr/>
-              </p:nvCxnSpPr>
-              <p:spPr>
-                <a:xfrm flipV="1">
-                  <a:off x="1912626" y="1054514"/>
-                  <a:ext cx="934386" cy="562999"/>
-                </a:xfrm>
-                <a:prstGeom prst="straightConnector1">
-                  <a:avLst/>
-                </a:prstGeom>
-                <a:noFill/>
-                <a:ln w="34925" cap="flat" cmpd="sng" algn="ctr">
-                  <a:solidFill>
-                    <a:sysClr val="windowText" lastClr="000000"/>
-                  </a:solidFill>
-                  <a:prstDash val="solid"/>
-                  <a:miter lim="800000"/>
-                  <a:headEnd type="none" w="med" len="med"/>
-                  <a:tailEnd type="triangle" w="lg" len="lg"/>
-                </a:ln>
-                <a:effectLst/>
-              </p:spPr>
-            </p:cxnSp>
-            <p:cxnSp>
-              <p:nvCxnSpPr>
-                <p:cNvPr id="46" name="Straight Arrow Connector 45">
-                  <a:extLst>
-                    <a:ext uri="{FF2B5EF4-FFF2-40B4-BE49-F238E27FC236}">
-                      <a16:creationId xmlns:a16="http://schemas.microsoft.com/office/drawing/2014/main" id="{9A1D3B9B-EE21-4BCE-B1B9-1A986F1A0520}"/>
-                    </a:ext>
-                  </a:extLst>
-                </p:cNvPr>
-                <p:cNvCxnSpPr>
-                  <a:cxnSpLocks/>
-                  <a:stCxn id="40" idx="3"/>
-                  <a:endCxn id="41" idx="1"/>
-                </p:cNvCxnSpPr>
-                <p:nvPr/>
-              </p:nvCxnSpPr>
-              <p:spPr>
-                <a:xfrm flipV="1">
-                  <a:off x="4229100" y="767637"/>
-                  <a:ext cx="280007" cy="5901"/>
-                </a:xfrm>
-                <a:prstGeom prst="straightConnector1">
-                  <a:avLst/>
-                </a:prstGeom>
-                <a:noFill/>
-                <a:ln w="57150" cap="flat" cmpd="sng" algn="ctr">
-                  <a:solidFill>
-                    <a:sysClr val="windowText" lastClr="000000"/>
-                  </a:solidFill>
-                  <a:prstDash val="solid"/>
-                  <a:miter lim="800000"/>
-                  <a:headEnd type="none" w="med" len="med"/>
-                  <a:tailEnd type="triangle" w="med" len="med"/>
-                </a:ln>
-                <a:effectLst/>
-              </p:spPr>
-            </p:cxnSp>
-          </p:grpSp>
-        </p:grpSp>
-        <p:sp>
-          <p:nvSpPr>
-            <p:cNvPr id="33" name="Rounded Rectangle 53">
-              <a:extLst>
-                <a:ext uri="{FF2B5EF4-FFF2-40B4-BE49-F238E27FC236}">
-                  <a16:creationId xmlns:a16="http://schemas.microsoft.com/office/drawing/2014/main" id="{FEC8C5FE-661E-404E-982E-193AC86D597D}"/>
-                </a:ext>
-              </a:extLst>
-            </p:cNvPr>
-            <p:cNvSpPr/>
-            <p:nvPr/>
-          </p:nvSpPr>
-          <p:spPr>
-            <a:xfrm>
-              <a:off x="3584924" y="3984151"/>
-              <a:ext cx="1082010" cy="369126"/>
-            </a:xfrm>
-            <a:prstGeom prst="roundRect">
-              <a:avLst/>
-            </a:prstGeom>
-            <a:solidFill>
-              <a:sysClr val="window" lastClr="FFFFFF"/>
-            </a:solidFill>
-            <a:ln w="12700" cap="flat" cmpd="sng" algn="ctr">
-              <a:solidFill>
-                <a:sysClr val="windowText" lastClr="000000"/>
-              </a:solidFill>
-              <a:prstDash val="solid"/>
-              <a:miter lim="800000"/>
-            </a:ln>
-            <a:effectLst/>
-          </p:spPr>
-          <p:txBody>
-            <a:bodyPr rot="0" spcFirstLastPara="0" vert="horz" wrap="square" lIns="91440" tIns="45720" rIns="91440" bIns="45720" numCol="1" spcCol="0" rtlCol="0" fromWordArt="0" anchor="ctr" anchorCtr="0" forceAA="0" compatLnSpc="1">
-              <a:prstTxWarp prst="textNoShape">
-                <a:avLst/>
-              </a:prstTxWarp>
-              <a:noAutofit/>
-            </a:bodyPr>
-            <a:lstStyle/>
-            <a:p>
-              <a:pPr marL="0" marR="0" lvl="0" indent="0" algn="ctr" defTabSz="914400" eaLnBrk="1" fontAlgn="auto" latinLnBrk="0" hangingPunct="1">
-                <a:lnSpc>
-                  <a:spcPct val="100000"/>
-                </a:lnSpc>
-                <a:spcBef>
-                  <a:spcPts val="0"/>
-                </a:spcBef>
-                <a:spcAft>
-                  <a:spcPts val="0"/>
-                </a:spcAft>
-                <a:buClrTx/>
-                <a:buSzTx/>
-                <a:buFontTx/>
-                <a:buNone/>
-                <a:tabLst/>
-                <a:defRPr/>
-              </a:pPr>
-              <a:r>
-                <a:rPr kumimoji="0" lang="en-US" b="0" i="0" u="none" strike="noStrike" kern="0" cap="none" spc="0" normalizeH="0" baseline="0" noProof="0" dirty="0">
-                  <a:ln>
-                    <a:noFill/>
-                  </a:ln>
-                  <a:solidFill>
-                    <a:prstClr val="black"/>
-                  </a:solidFill>
-                  <a:effectLst/>
-                  <a:uLnTx/>
-                  <a:uFillTx/>
-                  <a:latin typeface="Times New Roman" panose="02020603050405020304" pitchFamily="18" charset="0"/>
-                  <a:ea typeface="ＭＳ 明朝"/>
-                  <a:cs typeface="Times New Roman" panose="02020603050405020304" pitchFamily="18" charset="0"/>
-                </a:rPr>
-                <a:t>Model A</a:t>
-              </a:r>
-            </a:p>
-          </p:txBody>
-        </p:sp>
-        <p:sp>
-          <p:nvSpPr>
-            <p:cNvPr id="34" name="Rounded Rectangle 53">
-              <a:extLst>
-                <a:ext uri="{FF2B5EF4-FFF2-40B4-BE49-F238E27FC236}">
-                  <a16:creationId xmlns:a16="http://schemas.microsoft.com/office/drawing/2014/main" id="{9B2B743B-820A-4A36-BC6E-2DB73EC90D35}"/>
-                </a:ext>
-              </a:extLst>
-            </p:cNvPr>
-            <p:cNvSpPr/>
-            <p:nvPr/>
-          </p:nvSpPr>
-          <p:spPr>
-            <a:xfrm>
-              <a:off x="3584924" y="4521583"/>
-              <a:ext cx="1082010" cy="369126"/>
-            </a:xfrm>
-            <a:prstGeom prst="roundRect">
-              <a:avLst/>
-            </a:prstGeom>
-            <a:solidFill>
-              <a:sysClr val="window" lastClr="FFFFFF"/>
-            </a:solidFill>
-            <a:ln w="12700" cap="flat" cmpd="sng" algn="ctr">
-              <a:solidFill>
-                <a:sysClr val="windowText" lastClr="000000"/>
-              </a:solidFill>
-              <a:prstDash val="solid"/>
-              <a:miter lim="800000"/>
-            </a:ln>
-            <a:effectLst/>
-          </p:spPr>
-          <p:txBody>
-            <a:bodyPr rot="0" spcFirstLastPara="0" vert="horz" wrap="square" lIns="91440" tIns="45720" rIns="91440" bIns="45720" numCol="1" spcCol="0" rtlCol="0" fromWordArt="0" anchor="ctr" anchorCtr="0" forceAA="0" compatLnSpc="1">
-              <a:prstTxWarp prst="textNoShape">
-                <a:avLst/>
-              </a:prstTxWarp>
-              <a:noAutofit/>
-            </a:bodyPr>
-            <a:lstStyle/>
-            <a:p>
-              <a:pPr marL="0" marR="0" lvl="0" indent="0" algn="ctr" defTabSz="914400" eaLnBrk="1" fontAlgn="auto" latinLnBrk="0" hangingPunct="1">
-                <a:lnSpc>
-                  <a:spcPct val="100000"/>
-                </a:lnSpc>
-                <a:spcBef>
-                  <a:spcPts val="0"/>
-                </a:spcBef>
-                <a:spcAft>
-                  <a:spcPts val="0"/>
-                </a:spcAft>
-                <a:buClrTx/>
-                <a:buSzTx/>
-                <a:buFontTx/>
-                <a:buNone/>
-                <a:tabLst/>
-                <a:defRPr/>
-              </a:pPr>
-              <a:r>
-                <a:rPr kumimoji="0" lang="en-US" b="0" i="0" u="none" strike="noStrike" kern="0" cap="none" spc="0" normalizeH="0" baseline="0" noProof="0" dirty="0">
-                  <a:ln>
-                    <a:noFill/>
-                  </a:ln>
-                  <a:solidFill>
-                    <a:prstClr val="black"/>
-                  </a:solidFill>
-                  <a:effectLst/>
-                  <a:uLnTx/>
-                  <a:uFillTx/>
-                  <a:latin typeface="Times New Roman" panose="02020603050405020304" pitchFamily="18" charset="0"/>
-                  <a:ea typeface="ＭＳ 明朝"/>
-                  <a:cs typeface="Times New Roman" panose="02020603050405020304" pitchFamily="18" charset="0"/>
-                </a:rPr>
-                <a:t>Model B</a:t>
-              </a:r>
-            </a:p>
-          </p:txBody>
-        </p:sp>
-      </p:grpSp>
-    </p:spTree>
-    <p:extLst>
-      <p:ext uri="{BB962C8B-B14F-4D97-AF65-F5344CB8AC3E}">
-        <p14:creationId xmlns:p14="http://schemas.microsoft.com/office/powerpoint/2010/main" val="2773142375"/>
-      </p:ext>
-    </p:extLst>
-  </p:cSld>
-  <p:clrMapOvr>
-    <a:masterClrMapping/>
-  </p:clrMapOvr>
-</p:sld>
-</file>
-
-<file path=ppt/slides/slide11.xml><?xml version="1.0" encoding="utf-8"?>
-<p:sld xmlns:a="http://schemas.openxmlformats.org/drawingml/2006/main" xmlns:r="http://schemas.openxmlformats.org/officeDocument/2006/relationships" xmlns:p="http://schemas.openxmlformats.org/presentationml/2006/main">
-  <p:cSld>
-    <p:spTree>
-      <p:nvGrpSpPr>
-        <p:cNvPr id="1" name=""/>
-        <p:cNvGrpSpPr/>
-        <p:nvPr/>
-      </p:nvGrpSpPr>
-      <p:grpSpPr>
-        <a:xfrm>
-          <a:off x="0" y="0"/>
-          <a:ext cx="0" cy="0"/>
-          <a:chOff x="0" y="0"/>
-          <a:chExt cx="0" cy="0"/>
-        </a:xfrm>
-      </p:grpSpPr>
       <p:graphicFrame>
         <p:nvGraphicFramePr>
           <p:cNvPr id="4" name="Table 3">
@@ -25151,7 +23539,7 @@
                   <a:schemeClr val="tx1"/>
                 </a:solidFill>
               </a:rPr>
-              <a:t>11</a:t>
+              <a:t>10</a:t>
             </a:fld>
             <a:endParaRPr lang="en-US" dirty="0">
               <a:solidFill>
@@ -25554,7 +23942,7 @@
 </p:sld>
 </file>
 
-<file path=ppt/slides/slide12.xml><?xml version="1.0" encoding="utf-8"?>
+<file path=ppt/slides/slide11.xml><?xml version="1.0" encoding="utf-8"?>
 <p:sld xmlns:a="http://schemas.openxmlformats.org/drawingml/2006/main" xmlns:r="http://schemas.openxmlformats.org/officeDocument/2006/relationships" xmlns:p="http://schemas.openxmlformats.org/presentationml/2006/main">
   <p:cSld>
     <p:spTree>
@@ -25678,7 +24066,7 @@
                   <a:schemeClr val="tx1"/>
                 </a:solidFill>
               </a:rPr>
-              <a:t>12</a:t>
+              <a:t>11</a:t>
             </a:fld>
             <a:endParaRPr lang="en-US" dirty="0">
               <a:solidFill>
@@ -26698,7 +25086,7 @@
 </p:sld>
 </file>
 
-<file path=ppt/slides/slide13.xml><?xml version="1.0" encoding="utf-8"?>
+<file path=ppt/slides/slide12.xml><?xml version="1.0" encoding="utf-8"?>
 <p:sld xmlns:a="http://schemas.openxmlformats.org/drawingml/2006/main" xmlns:r="http://schemas.openxmlformats.org/officeDocument/2006/relationships" xmlns:p="http://schemas.openxmlformats.org/presentationml/2006/main">
   <p:cSld>
     <p:spTree>
@@ -27718,7 +26106,7 @@
                   <a:schemeClr val="tx1"/>
                 </a:solidFill>
               </a:rPr>
-              <a:t>13</a:t>
+              <a:t>12</a:t>
             </a:fld>
             <a:endParaRPr lang="en-US" dirty="0">
               <a:solidFill>
@@ -27741,7 +26129,7 @@
 </p:sld>
 </file>
 
-<file path=ppt/slides/slide14.xml><?xml version="1.0" encoding="utf-8"?>
+<file path=ppt/slides/slide13.xml><?xml version="1.0" encoding="utf-8"?>
 <p:sld xmlns:a="http://schemas.openxmlformats.org/drawingml/2006/main" xmlns:r="http://schemas.openxmlformats.org/officeDocument/2006/relationships" xmlns:p="http://schemas.openxmlformats.org/presentationml/2006/main">
   <p:cSld>
     <p:spTree>
@@ -27996,7 +26384,7 @@
                   <a:schemeClr val="tx1"/>
                 </a:solidFill>
               </a:rPr>
-              <a:t>14</a:t>
+              <a:t>13</a:t>
             </a:fld>
             <a:endParaRPr lang="en-US" dirty="0">
               <a:solidFill>
@@ -28094,7 +26482,7 @@
 </p:sld>
 </file>
 
-<file path=ppt/slides/slide15.xml><?xml version="1.0" encoding="utf-8"?>
+<file path=ppt/slides/slide14.xml><?xml version="1.0" encoding="utf-8"?>
 <p:sld xmlns:a="http://schemas.openxmlformats.org/drawingml/2006/main" xmlns:r="http://schemas.openxmlformats.org/officeDocument/2006/relationships" xmlns:p="http://schemas.openxmlformats.org/presentationml/2006/main">
   <p:cSld>
     <p:spTree>
@@ -28257,7 +26645,7 @@
                   <a:schemeClr val="tx1"/>
                 </a:solidFill>
               </a:rPr>
-              <a:t>15</a:t>
+              <a:t>14</a:t>
             </a:fld>
             <a:endParaRPr lang="en-US" dirty="0">
               <a:solidFill>
@@ -28803,7 +27191,7 @@
 </p:sld>
 </file>
 
-<file path=ppt/slides/slide16.xml><?xml version="1.0" encoding="utf-8"?>
+<file path=ppt/slides/slide15.xml><?xml version="1.0" encoding="utf-8"?>
 <p:sld xmlns:a="http://schemas.openxmlformats.org/drawingml/2006/main" xmlns:r="http://schemas.openxmlformats.org/officeDocument/2006/relationships" xmlns:p="http://schemas.openxmlformats.org/presentationml/2006/main">
   <p:cSld>
     <p:spTree>
@@ -28966,7 +27354,7 @@
                   <a:schemeClr val="tx1"/>
                 </a:solidFill>
               </a:rPr>
-              <a:t>16</a:t>
+              <a:t>15</a:t>
             </a:fld>
             <a:endParaRPr lang="en-US" dirty="0">
               <a:solidFill>
@@ -29512,7 +27900,7 @@
 </p:sld>
 </file>
 
-<file path=ppt/slides/slide17.xml><?xml version="1.0" encoding="utf-8"?>
+<file path=ppt/slides/slide16.xml><?xml version="1.0" encoding="utf-8"?>
 <p:sld xmlns:a="http://schemas.openxmlformats.org/drawingml/2006/main" xmlns:r="http://schemas.openxmlformats.org/officeDocument/2006/relationships" xmlns:p="http://schemas.openxmlformats.org/presentationml/2006/main">
   <p:cSld>
     <p:spTree>
@@ -30354,7 +28742,7 @@
                   <a:schemeClr val="tx1"/>
                 </a:solidFill>
               </a:rPr>
-              <a:t>17</a:t>
+              <a:t>16</a:t>
             </a:fld>
             <a:endParaRPr lang="en-US" dirty="0">
               <a:solidFill>
@@ -30406,7 +28794,7 @@
 </p:sld>
 </file>
 
-<file path=ppt/slides/slide18.xml><?xml version="1.0" encoding="utf-8"?>
+<file path=ppt/slides/slide17.xml><?xml version="1.0" encoding="utf-8"?>
 <p:sld xmlns:a="http://schemas.openxmlformats.org/drawingml/2006/main" xmlns:r="http://schemas.openxmlformats.org/officeDocument/2006/relationships" xmlns:p="http://schemas.openxmlformats.org/presentationml/2006/main">
   <p:cSld>
     <p:spTree>
@@ -31029,7 +29417,7 @@
                   <a:schemeClr val="tx1"/>
                 </a:solidFill>
               </a:rPr>
-              <a:t>18</a:t>
+              <a:t>17</a:t>
             </a:fld>
             <a:endParaRPr lang="en-US" dirty="0">
               <a:solidFill>
@@ -31052,7 +29440,7 @@
 </p:sld>
 </file>
 
-<file path=ppt/slides/slide19.xml><?xml version="1.0" encoding="utf-8"?>
+<file path=ppt/slides/slide18.xml><?xml version="1.0" encoding="utf-8"?>
 <p:sld xmlns:a="http://schemas.openxmlformats.org/drawingml/2006/main" xmlns:r="http://schemas.openxmlformats.org/officeDocument/2006/relationships" xmlns:p="http://schemas.openxmlformats.org/presentationml/2006/main">
   <p:cSld>
     <p:spTree>
@@ -31177,7 +29565,7 @@
           <a:graphicData uri="http://schemas.openxmlformats.org/presentationml/2006/ole">
             <mc:AlternateContent xmlns:mc="http://schemas.openxmlformats.org/markup-compatibility/2006">
               <mc:Choice xmlns:v="urn:schemas-microsoft-com:vml" Requires="v">
-                <p:oleObj spid="_x0000_s1152" name="Document" r:id="rId3" imgW="5112679" imgH="2849952" progId="Word.Document.12">
+                <p:oleObj spid="_x0000_s1153" name="Document" r:id="rId3" imgW="5112679" imgH="2849952" progId="Word.Document.12">
                   <p:embed/>
                 </p:oleObj>
               </mc:Choice>
@@ -31710,7 +30098,7 @@
                   <a:schemeClr val="tx1"/>
                 </a:solidFill>
               </a:rPr>
-              <a:t>19</a:t>
+              <a:t>18</a:t>
             </a:fld>
             <a:endParaRPr lang="en-US" dirty="0">
               <a:solidFill>
@@ -31733,84 +30121,7 @@
 </p:sld>
 </file>
 
-<file path=ppt/slides/slide2.xml><?xml version="1.0" encoding="utf-8"?>
-<p:sld xmlns:a="http://schemas.openxmlformats.org/drawingml/2006/main" xmlns:r="http://schemas.openxmlformats.org/officeDocument/2006/relationships" xmlns:p="http://schemas.openxmlformats.org/presentationml/2006/main">
-  <p:cSld>
-    <p:spTree>
-      <p:nvGrpSpPr>
-        <p:cNvPr id="1" name=""/>
-        <p:cNvGrpSpPr/>
-        <p:nvPr/>
-      </p:nvGrpSpPr>
-      <p:grpSpPr>
-        <a:xfrm>
-          <a:off x="0" y="0"/>
-          <a:ext cx="0" cy="0"/>
-          <a:chOff x="0" y="0"/>
-          <a:chExt cx="0" cy="0"/>
-        </a:xfrm>
-      </p:grpSpPr>
-      <p:sp>
-        <p:nvSpPr>
-          <p:cNvPr id="4" name="Slide Number Placeholder 3"/>
-          <p:cNvSpPr>
-            <a:spLocks noGrp="1"/>
-          </p:cNvSpPr>
-          <p:nvPr>
-            <p:ph type="sldNum" sz="quarter" idx="12"/>
-          </p:nvPr>
-        </p:nvSpPr>
-        <p:spPr/>
-        <p:txBody>
-          <a:bodyPr/>
-          <a:lstStyle/>
-          <a:p>
-            <a:fld id="{10038807-1F43-C242-97ED-819D14105488}" type="slidenum">
-              <a:rPr lang="en-US" smtClean="0">
-                <a:solidFill>
-                  <a:schemeClr val="tx1"/>
-                </a:solidFill>
-              </a:rPr>
-              <a:t>2</a:t>
-            </a:fld>
-            <a:endParaRPr lang="en-US" dirty="0">
-              <a:solidFill>
-                <a:schemeClr val="tx1"/>
-              </a:solidFill>
-            </a:endParaRPr>
-          </a:p>
-        </p:txBody>
-      </p:sp>
-      <p:graphicFrame>
-        <p:nvGraphicFramePr>
-          <p:cNvPr id="5" name="Diagram 4"/>
-          <p:cNvGraphicFramePr/>
-          <p:nvPr/>
-        </p:nvGraphicFramePr>
-        <p:xfrm>
-          <a:off x="2362200" y="228601"/>
-          <a:ext cx="7924800" cy="5647267"/>
-        </p:xfrm>
-        <a:graphic>
-          <a:graphicData uri="http://schemas.openxmlformats.org/drawingml/2006/diagram">
-            <dgm:relIds xmlns:dgm="http://schemas.openxmlformats.org/drawingml/2006/diagram" xmlns:r="http://schemas.openxmlformats.org/officeDocument/2006/relationships" r:dm="rId2" r:lo="rId3" r:qs="rId4" r:cs="rId5"/>
-          </a:graphicData>
-        </a:graphic>
-      </p:graphicFrame>
-    </p:spTree>
-    <p:extLst>
-      <p:ext uri="{BB962C8B-B14F-4D97-AF65-F5344CB8AC3E}">
-        <p14:creationId xmlns:p14="http://schemas.microsoft.com/office/powerpoint/2010/main" val="3405449710"/>
-      </p:ext>
-    </p:extLst>
-  </p:cSld>
-  <p:clrMapOvr>
-    <a:masterClrMapping/>
-  </p:clrMapOvr>
-</p:sld>
-</file>
-
-<file path=ppt/slides/slide20.xml><?xml version="1.0" encoding="utf-8"?>
+<file path=ppt/slides/slide19.xml><?xml version="1.0" encoding="utf-8"?>
 <p:sld xmlns:a="http://schemas.openxmlformats.org/drawingml/2006/main" xmlns:r="http://schemas.openxmlformats.org/officeDocument/2006/relationships" xmlns:p="http://schemas.openxmlformats.org/presentationml/2006/main">
   <p:cSld>
     <p:spTree>
@@ -31973,7 +30284,7 @@
                   <a:schemeClr val="tx1"/>
                 </a:solidFill>
               </a:rPr>
-              <a:t>20</a:t>
+              <a:t>19</a:t>
             </a:fld>
             <a:endParaRPr lang="en-US" dirty="0">
               <a:solidFill>
@@ -31996,7 +30307,84 @@
 </p:sld>
 </file>
 
-<file path=ppt/slides/slide21.xml><?xml version="1.0" encoding="utf-8"?>
+<file path=ppt/slides/slide2.xml><?xml version="1.0" encoding="utf-8"?>
+<p:sld xmlns:a="http://schemas.openxmlformats.org/drawingml/2006/main" xmlns:r="http://schemas.openxmlformats.org/officeDocument/2006/relationships" xmlns:p="http://schemas.openxmlformats.org/presentationml/2006/main">
+  <p:cSld>
+    <p:spTree>
+      <p:nvGrpSpPr>
+        <p:cNvPr id="1" name=""/>
+        <p:cNvGrpSpPr/>
+        <p:nvPr/>
+      </p:nvGrpSpPr>
+      <p:grpSpPr>
+        <a:xfrm>
+          <a:off x="0" y="0"/>
+          <a:ext cx="0" cy="0"/>
+          <a:chOff x="0" y="0"/>
+          <a:chExt cx="0" cy="0"/>
+        </a:xfrm>
+      </p:grpSpPr>
+      <p:sp>
+        <p:nvSpPr>
+          <p:cNvPr id="4" name="Slide Number Placeholder 3"/>
+          <p:cNvSpPr>
+            <a:spLocks noGrp="1"/>
+          </p:cNvSpPr>
+          <p:nvPr>
+            <p:ph type="sldNum" sz="quarter" idx="12"/>
+          </p:nvPr>
+        </p:nvSpPr>
+        <p:spPr/>
+        <p:txBody>
+          <a:bodyPr/>
+          <a:lstStyle/>
+          <a:p>
+            <a:fld id="{10038807-1F43-C242-97ED-819D14105488}" type="slidenum">
+              <a:rPr lang="en-US" smtClean="0">
+                <a:solidFill>
+                  <a:schemeClr val="tx1"/>
+                </a:solidFill>
+              </a:rPr>
+              <a:t>2</a:t>
+            </a:fld>
+            <a:endParaRPr lang="en-US" dirty="0">
+              <a:solidFill>
+                <a:schemeClr val="tx1"/>
+              </a:solidFill>
+            </a:endParaRPr>
+          </a:p>
+        </p:txBody>
+      </p:sp>
+      <p:graphicFrame>
+        <p:nvGraphicFramePr>
+          <p:cNvPr id="5" name="Diagram 4"/>
+          <p:cNvGraphicFramePr/>
+          <p:nvPr/>
+        </p:nvGraphicFramePr>
+        <p:xfrm>
+          <a:off x="2362200" y="228601"/>
+          <a:ext cx="7924800" cy="5647267"/>
+        </p:xfrm>
+        <a:graphic>
+          <a:graphicData uri="http://schemas.openxmlformats.org/drawingml/2006/diagram">
+            <dgm:relIds xmlns:dgm="http://schemas.openxmlformats.org/drawingml/2006/diagram" xmlns:r="http://schemas.openxmlformats.org/officeDocument/2006/relationships" r:dm="rId2" r:lo="rId3" r:qs="rId4" r:cs="rId5"/>
+          </a:graphicData>
+        </a:graphic>
+      </p:graphicFrame>
+    </p:spTree>
+    <p:extLst>
+      <p:ext uri="{BB962C8B-B14F-4D97-AF65-F5344CB8AC3E}">
+        <p14:creationId xmlns:p14="http://schemas.microsoft.com/office/powerpoint/2010/main" val="3405449710"/>
+      </p:ext>
+    </p:extLst>
+  </p:cSld>
+  <p:clrMapOvr>
+    <a:masterClrMapping/>
+  </p:clrMapOvr>
+</p:sld>
+</file>
+
+<file path=ppt/slides/slide20.xml><?xml version="1.0" encoding="utf-8"?>
 <p:sld xmlns:a="http://schemas.openxmlformats.org/drawingml/2006/main" xmlns:r="http://schemas.openxmlformats.org/officeDocument/2006/relationships" xmlns:p="http://schemas.openxmlformats.org/presentationml/2006/main">
   <p:cSld>
     <p:spTree>
@@ -32260,7 +30648,7 @@
                   <a:schemeClr val="tx1"/>
                 </a:solidFill>
               </a:rPr>
-              <a:t>21</a:t>
+              <a:t>20</a:t>
             </a:fld>
             <a:endParaRPr lang="en-US" dirty="0">
               <a:solidFill>
@@ -32283,7 +30671,7 @@
 </p:sld>
 </file>
 
-<file path=ppt/slides/slide22.xml><?xml version="1.0" encoding="utf-8"?>
+<file path=ppt/slides/slide21.xml><?xml version="1.0" encoding="utf-8"?>
 <p:sld xmlns:a="http://schemas.openxmlformats.org/drawingml/2006/main" xmlns:r="http://schemas.openxmlformats.org/officeDocument/2006/relationships" xmlns:p="http://schemas.openxmlformats.org/presentationml/2006/main">
   <p:cSld>
     <p:spTree>
@@ -32601,275 +30989,6 @@
                 </a:solidFill>
               </a:rPr>
               <a:t>3</a:t>
-            </a:fld>
-            <a:endParaRPr lang="en-US" dirty="0">
-              <a:solidFill>
-                <a:schemeClr val="tx1"/>
-              </a:solidFill>
-            </a:endParaRPr>
-          </a:p>
-        </p:txBody>
-      </p:sp>
-      <p:sp>
-        <p:nvSpPr>
-          <p:cNvPr id="2" name="Rectangle 1">
-            <a:extLst>
-              <a:ext uri="{FF2B5EF4-FFF2-40B4-BE49-F238E27FC236}">
-                <a16:creationId xmlns:a16="http://schemas.microsoft.com/office/drawing/2014/main" id="{3D37149C-A0EA-460A-BA4F-46485EB7818A}"/>
-              </a:ext>
-            </a:extLst>
-          </p:cNvPr>
-          <p:cNvSpPr/>
-          <p:nvPr/>
-        </p:nvSpPr>
-        <p:spPr>
-          <a:xfrm>
-            <a:off x="155510" y="1036686"/>
-            <a:ext cx="6096000" cy="2265364"/>
-          </a:xfrm>
-          <a:prstGeom prst="rect">
-            <a:avLst/>
-          </a:prstGeom>
-        </p:spPr>
-        <p:txBody>
-          <a:bodyPr>
-            <a:spAutoFit/>
-          </a:bodyPr>
-          <a:lstStyle/>
-          <a:p>
-            <a:r>
-              <a:rPr lang="en-US" b="1" dirty="0">
-                <a:latin typeface="Times New Roman" panose="02020603050405020304" pitchFamily="18" charset="0"/>
-                <a:cs typeface="Times New Roman" panose="02020603050405020304" pitchFamily="18" charset="0"/>
-              </a:rPr>
-              <a:t>Mohamed Abuella</a:t>
-            </a:r>
-          </a:p>
-          <a:p>
-            <a:r>
-              <a:rPr lang="en-US" dirty="0">
-                <a:latin typeface="Times New Roman" panose="02020603050405020304" pitchFamily="18" charset="0"/>
-                <a:cs typeface="Times New Roman" panose="02020603050405020304" pitchFamily="18" charset="0"/>
-                <a:hlinkClick r:id="rId2"/>
-              </a:rPr>
-              <a:t>https://mohamedabuella.github.io</a:t>
-            </a:r>
-            <a:r>
-              <a:rPr lang="en-US" dirty="0">
-                <a:latin typeface="Times New Roman" panose="02020603050405020304" pitchFamily="18" charset="0"/>
-                <a:cs typeface="Times New Roman" panose="02020603050405020304" pitchFamily="18" charset="0"/>
-              </a:rPr>
-              <a:t> </a:t>
-            </a:r>
-            <a:endParaRPr lang="en-US" b="1" dirty="0">
-              <a:latin typeface="Times New Roman" panose="02020603050405020304" pitchFamily="18" charset="0"/>
-              <a:cs typeface="Times New Roman" panose="02020603050405020304" pitchFamily="18" charset="0"/>
-            </a:endParaRPr>
-          </a:p>
-          <a:p>
-            <a:pPr>
-              <a:lnSpc>
-                <a:spcPct val="150000"/>
-              </a:lnSpc>
-            </a:pPr>
-            <a:r>
-              <a:rPr lang="en-US" dirty="0">
-                <a:latin typeface="Times New Roman" panose="02020603050405020304" pitchFamily="18" charset="0"/>
-                <a:cs typeface="Times New Roman" panose="02020603050405020304" pitchFamily="18" charset="0"/>
-              </a:rPr>
-              <a:t>An electrical engineer by training, traditionally is interested in Mathematical and Computational Analysis, Modeling and Optimization, and who is recently get passionate in Artificial Intelligence and Data-driven Analytics for Energy a</a:t>
-            </a:r>
-          </a:p>
-        </p:txBody>
-      </p:sp>
-      <p:sp>
-        <p:nvSpPr>
-          <p:cNvPr id="9" name="Rectangle 8">
-            <a:extLst>
-              <a:ext uri="{FF2B5EF4-FFF2-40B4-BE49-F238E27FC236}">
-                <a16:creationId xmlns:a16="http://schemas.microsoft.com/office/drawing/2014/main" id="{48A5C8F3-FEEE-4703-BB05-FCB4258739EF}"/>
-              </a:ext>
-            </a:extLst>
-          </p:cNvPr>
-          <p:cNvSpPr/>
-          <p:nvPr/>
-        </p:nvSpPr>
-        <p:spPr>
-          <a:xfrm>
-            <a:off x="155509" y="3457577"/>
-            <a:ext cx="8782259" cy="2535566"/>
-          </a:xfrm>
-          <a:prstGeom prst="rect">
-            <a:avLst/>
-          </a:prstGeom>
-        </p:spPr>
-        <p:txBody>
-          <a:bodyPr wrap="square">
-            <a:spAutoFit/>
-          </a:bodyPr>
-          <a:lstStyle/>
-          <a:p>
-            <a:pPr>
-              <a:lnSpc>
-                <a:spcPct val="150000"/>
-              </a:lnSpc>
-            </a:pPr>
-            <a:r>
-              <a:rPr lang="en-US" b="1" dirty="0">
-                <a:latin typeface="Times New Roman" panose="02020603050405020304" pitchFamily="18" charset="0"/>
-                <a:cs typeface="Times New Roman" panose="02020603050405020304" pitchFamily="18" charset="0"/>
-              </a:rPr>
-              <a:t>Hobbies and Interests</a:t>
-            </a:r>
-          </a:p>
-          <a:p>
-            <a:pPr>
-              <a:lnSpc>
-                <a:spcPct val="150000"/>
-              </a:lnSpc>
-            </a:pPr>
-            <a:r>
-              <a:rPr lang="en-US" dirty="0">
-                <a:latin typeface="Times New Roman" panose="02020603050405020304" pitchFamily="18" charset="0"/>
-                <a:cs typeface="Times New Roman" panose="02020603050405020304" pitchFamily="18" charset="0"/>
-              </a:rPr>
-              <a:t>Making Mediterranean Food and Drink, but also try my own out-of-box recipes;</a:t>
-            </a:r>
-          </a:p>
-          <a:p>
-            <a:pPr>
-              <a:lnSpc>
-                <a:spcPct val="150000"/>
-              </a:lnSpc>
-            </a:pPr>
-            <a:r>
-              <a:rPr lang="en-US" dirty="0">
-                <a:latin typeface="Times New Roman" panose="02020603050405020304" pitchFamily="18" charset="0"/>
-                <a:cs typeface="Times New Roman" panose="02020603050405020304" pitchFamily="18" charset="0"/>
-              </a:rPr>
-              <a:t>Stretching, Walking, Running, Driving, Swimming, Diving, ..and hopefully Climbing; Wondering around and Discovering New Places, ..find it kind of an adventure;</a:t>
-            </a:r>
-          </a:p>
-          <a:p>
-            <a:pPr>
-              <a:lnSpc>
-                <a:spcPct val="150000"/>
-              </a:lnSpc>
-            </a:pPr>
-            <a:r>
-              <a:rPr lang="en-US" dirty="0">
-                <a:latin typeface="Times New Roman" panose="02020603050405020304" pitchFamily="18" charset="0"/>
-                <a:cs typeface="Times New Roman" panose="02020603050405020304" pitchFamily="18" charset="0"/>
-              </a:rPr>
-              <a:t>Watching, Reading and Sharing Stuff on Internet, useful &amp; dumb things;</a:t>
-            </a:r>
-          </a:p>
-          <a:p>
-            <a:pPr>
-              <a:lnSpc>
-                <a:spcPct val="150000"/>
-              </a:lnSpc>
-            </a:pPr>
-            <a:r>
-              <a:rPr lang="en-US" dirty="0">
-                <a:latin typeface="Times New Roman" panose="02020603050405020304" pitchFamily="18" charset="0"/>
-                <a:cs typeface="Times New Roman" panose="02020603050405020304" pitchFamily="18" charset="0"/>
-              </a:rPr>
-              <a:t>And more often just.. Chilling and Enjoy Doing Nothing!</a:t>
-            </a:r>
-          </a:p>
-        </p:txBody>
-      </p:sp>
-      <p:sp>
-        <p:nvSpPr>
-          <p:cNvPr id="10" name="Rectangle 9">
-            <a:extLst>
-              <a:ext uri="{FF2B5EF4-FFF2-40B4-BE49-F238E27FC236}">
-                <a16:creationId xmlns:a16="http://schemas.microsoft.com/office/drawing/2014/main" id="{A3C29B02-D91E-48F3-B735-3835F8B9B620}"/>
-              </a:ext>
-            </a:extLst>
-          </p:cNvPr>
-          <p:cNvSpPr/>
-          <p:nvPr/>
-        </p:nvSpPr>
-        <p:spPr>
-          <a:xfrm>
-            <a:off x="1261188" y="259097"/>
-            <a:ext cx="9144000" cy="369332"/>
-          </a:xfrm>
-          <a:prstGeom prst="rect">
-            <a:avLst/>
-          </a:prstGeom>
-        </p:spPr>
-        <p:txBody>
-          <a:bodyPr wrap="square">
-            <a:spAutoFit/>
-          </a:bodyPr>
-          <a:lstStyle/>
-          <a:p>
-            <a:pPr algn="ctr"/>
-            <a:r>
-              <a:rPr lang="en-US" b="1" dirty="0">
-                <a:latin typeface="Times New Roman" panose="02020603050405020304" pitchFamily="18" charset="0"/>
-                <a:cs typeface="Times New Roman" panose="02020603050405020304" pitchFamily="18" charset="0"/>
-              </a:rPr>
-              <a:t>Personal Introduction</a:t>
-            </a:r>
-          </a:p>
-        </p:txBody>
-      </p:sp>
-    </p:spTree>
-    <p:extLst>
-      <p:ext uri="{BB962C8B-B14F-4D97-AF65-F5344CB8AC3E}">
-        <p14:creationId xmlns:p14="http://schemas.microsoft.com/office/powerpoint/2010/main" val="635284957"/>
-      </p:ext>
-    </p:extLst>
-  </p:cSld>
-  <p:clrMapOvr>
-    <a:masterClrMapping/>
-  </p:clrMapOvr>
-</p:sld>
-</file>
-
-<file path=ppt/slides/slide4.xml><?xml version="1.0" encoding="utf-8"?>
-<p:sld xmlns:a="http://schemas.openxmlformats.org/drawingml/2006/main" xmlns:r="http://schemas.openxmlformats.org/officeDocument/2006/relationships" xmlns:p="http://schemas.openxmlformats.org/presentationml/2006/main">
-  <p:cSld>
-    <p:spTree>
-      <p:nvGrpSpPr>
-        <p:cNvPr id="1" name=""/>
-        <p:cNvGrpSpPr/>
-        <p:nvPr/>
-      </p:nvGrpSpPr>
-      <p:grpSpPr>
-        <a:xfrm>
-          <a:off x="0" y="0"/>
-          <a:ext cx="0" cy="0"/>
-          <a:chOff x="0" y="0"/>
-          <a:chExt cx="0" cy="0"/>
-        </a:xfrm>
-      </p:grpSpPr>
-      <p:sp>
-        <p:nvSpPr>
-          <p:cNvPr id="4" name="Slide Number Placeholder 3"/>
-          <p:cNvSpPr>
-            <a:spLocks noGrp="1"/>
-          </p:cNvSpPr>
-          <p:nvPr>
-            <p:ph type="sldNum" sz="quarter" idx="12"/>
-          </p:nvPr>
-        </p:nvSpPr>
-        <p:spPr/>
-        <p:txBody>
-          <a:bodyPr/>
-          <a:lstStyle/>
-          <a:p>
-            <a:fld id="{10038807-1F43-C242-97ED-819D14105488}" type="slidenum">
-              <a:rPr lang="en-US" smtClean="0">
-                <a:solidFill>
-                  <a:schemeClr val="tx1"/>
-                </a:solidFill>
-              </a:rPr>
-              <a:t>4</a:t>
             </a:fld>
             <a:endParaRPr lang="en-US" dirty="0">
               <a:solidFill>
@@ -33565,7 +31684,7 @@
 </p:sld>
 </file>
 
-<file path=ppt/slides/slide5.xml><?xml version="1.0" encoding="utf-8"?>
+<file path=ppt/slides/slide4.xml><?xml version="1.0" encoding="utf-8"?>
 <p:sld xmlns:a="http://schemas.openxmlformats.org/drawingml/2006/main" xmlns:r="http://schemas.openxmlformats.org/officeDocument/2006/relationships" xmlns:p="http://schemas.openxmlformats.org/presentationml/2006/main">
   <p:cSld>
     <p:spTree>
@@ -34289,7 +32408,7 @@
                   <a:schemeClr val="tx1"/>
                 </a:solidFill>
               </a:rPr>
-              <a:t>5</a:t>
+              <a:t>4</a:t>
             </a:fld>
             <a:endParaRPr lang="en-US" dirty="0">
               <a:solidFill>
@@ -34382,7 +32501,7 @@
 </p:sld>
 </file>
 
-<file path=ppt/slides/slide6.xml><?xml version="1.0" encoding="utf-8"?>
+<file path=ppt/slides/slide5.xml><?xml version="1.0" encoding="utf-8"?>
 <p:sld xmlns:a="http://schemas.openxmlformats.org/drawingml/2006/main" xmlns:r="http://schemas.openxmlformats.org/officeDocument/2006/relationships" xmlns:p="http://schemas.openxmlformats.org/presentationml/2006/main">
   <p:cSld>
     <p:spTree>
@@ -34677,7 +32796,7 @@
                   <a:schemeClr val="tx1"/>
                 </a:solidFill>
               </a:rPr>
-              <a:t>6</a:t>
+              <a:t>5</a:t>
             </a:fld>
             <a:endParaRPr lang="en-US" dirty="0">
               <a:solidFill>
@@ -34770,7 +32889,7 @@
 </p:sld>
 </file>
 
-<file path=ppt/slides/slide7.xml><?xml version="1.0" encoding="utf-8"?>
+<file path=ppt/slides/slide6.xml><?xml version="1.0" encoding="utf-8"?>
 <p:sld xmlns:a="http://schemas.openxmlformats.org/drawingml/2006/main" xmlns:r="http://schemas.openxmlformats.org/officeDocument/2006/relationships" xmlns:p="http://schemas.openxmlformats.org/presentationml/2006/main">
   <p:cSld>
     <p:spTree>
@@ -34841,7 +32960,7 @@
                   <a:schemeClr val="tx1"/>
                 </a:solidFill>
               </a:rPr>
-              <a:t>7</a:t>
+              <a:t>6</a:t>
             </a:fld>
             <a:endParaRPr lang="en-US" dirty="0">
               <a:solidFill>
@@ -34929,7 +33048,7 @@
 </p:sld>
 </file>
 
-<file path=ppt/slides/slide8.xml><?xml version="1.0" encoding="utf-8"?>
+<file path=ppt/slides/slide7.xml><?xml version="1.0" encoding="utf-8"?>
 <p:sld xmlns:a="http://schemas.openxmlformats.org/drawingml/2006/main" xmlns:r="http://schemas.openxmlformats.org/officeDocument/2006/relationships" xmlns:p="http://schemas.openxmlformats.org/presentationml/2006/main">
   <p:cSld>
     <p:spTree>
@@ -35121,7 +33240,7 @@
                   <a:schemeClr val="tx1"/>
                 </a:solidFill>
               </a:rPr>
-              <a:t>8</a:t>
+              <a:t>7</a:t>
             </a:fld>
             <a:endParaRPr lang="en-US" dirty="0">
               <a:solidFill>
@@ -39361,7 +37480,7 @@
 </p:sld>
 </file>
 
-<file path=ppt/slides/slide9.xml><?xml version="1.0" encoding="utf-8"?>
+<file path=ppt/slides/slide8.xml><?xml version="1.0" encoding="utf-8"?>
 <p:sld xmlns:a="http://schemas.openxmlformats.org/drawingml/2006/main" xmlns:r="http://schemas.openxmlformats.org/officeDocument/2006/relationships" xmlns:p="http://schemas.openxmlformats.org/presentationml/2006/main">
   <p:cSld>
     <p:spTree>
@@ -40112,7 +38231,7 @@
                   <a:schemeClr val="tx1"/>
                 </a:solidFill>
               </a:rPr>
-              <a:t>9</a:t>
+              <a:t>8</a:t>
             </a:fld>
             <a:endParaRPr lang="en-US" dirty="0">
               <a:solidFill>
@@ -40126,6 +38245,1617 @@
     <p:extLst>
       <p:ext uri="{BB962C8B-B14F-4D97-AF65-F5344CB8AC3E}">
         <p14:creationId xmlns:p14="http://schemas.microsoft.com/office/powerpoint/2010/main" val="1275965799"/>
+      </p:ext>
+    </p:extLst>
+  </p:cSld>
+  <p:clrMapOvr>
+    <a:masterClrMapping/>
+  </p:clrMapOvr>
+</p:sld>
+</file>
+
+<file path=ppt/slides/slide9.xml><?xml version="1.0" encoding="utf-8"?>
+<p:sld xmlns:a="http://schemas.openxmlformats.org/drawingml/2006/main" xmlns:r="http://schemas.openxmlformats.org/officeDocument/2006/relationships" xmlns:p="http://schemas.openxmlformats.org/presentationml/2006/main">
+  <p:cSld>
+    <p:spTree>
+      <p:nvGrpSpPr>
+        <p:cNvPr id="1" name=""/>
+        <p:cNvGrpSpPr/>
+        <p:nvPr/>
+      </p:nvGrpSpPr>
+      <p:grpSpPr>
+        <a:xfrm>
+          <a:off x="0" y="0"/>
+          <a:ext cx="0" cy="0"/>
+          <a:chOff x="0" y="0"/>
+          <a:chExt cx="0" cy="0"/>
+        </a:xfrm>
+      </p:grpSpPr>
+      <p:sp>
+        <p:nvSpPr>
+          <p:cNvPr id="4" name="Rectangle 3">
+            <a:extLst>
+              <a:ext uri="{FF2B5EF4-FFF2-40B4-BE49-F238E27FC236}">
+                <a16:creationId xmlns:a16="http://schemas.microsoft.com/office/drawing/2014/main" id="{41B201A3-44EB-47B8-926F-1F03F09097A3}"/>
+              </a:ext>
+            </a:extLst>
+          </p:cNvPr>
+          <p:cNvSpPr/>
+          <p:nvPr/>
+        </p:nvSpPr>
+        <p:spPr>
+          <a:xfrm>
+            <a:off x="3641320" y="3836892"/>
+            <a:ext cx="5349240" cy="369332"/>
+          </a:xfrm>
+          <a:prstGeom prst="rect">
+            <a:avLst/>
+          </a:prstGeom>
+        </p:spPr>
+        <p:txBody>
+          <a:bodyPr wrap="square">
+            <a:spAutoFit/>
+          </a:bodyPr>
+          <a:lstStyle/>
+          <a:p>
+            <a:pPr algn="ctr"/>
+            <a:r>
+              <a:rPr lang="en-US" dirty="0">
+                <a:latin typeface="Times New Roman" panose="02020603050405020304" pitchFamily="18" charset="0"/>
+                <a:cs typeface="Times New Roman" panose="02020603050405020304" pitchFamily="18" charset="0"/>
+              </a:rPr>
+              <a:t>General diagram of combining different models</a:t>
+            </a:r>
+          </a:p>
+        </p:txBody>
+      </p:sp>
+      <p:sp>
+        <p:nvSpPr>
+          <p:cNvPr id="22" name="Title 1">
+            <a:extLst>
+              <a:ext uri="{FF2B5EF4-FFF2-40B4-BE49-F238E27FC236}">
+                <a16:creationId xmlns:a16="http://schemas.microsoft.com/office/drawing/2014/main" id="{A7714A61-095E-4245-A271-28CB7EE4795C}"/>
+              </a:ext>
+            </a:extLst>
+          </p:cNvPr>
+          <p:cNvSpPr txBox="1">
+            <a:spLocks/>
+          </p:cNvSpPr>
+          <p:nvPr/>
+        </p:nvSpPr>
+        <p:spPr>
+          <a:xfrm>
+            <a:off x="1581387" y="830079"/>
+            <a:ext cx="3592229" cy="306079"/>
+          </a:xfrm>
+          <a:prstGeom prst="rect">
+            <a:avLst/>
+          </a:prstGeom>
+        </p:spPr>
+        <p:txBody>
+          <a:bodyPr vert="horz" lIns="91440" tIns="45720" rIns="91440" bIns="45720" rtlCol="0" anchor="ctr">
+            <a:normAutofit fontScale="92500" lnSpcReduction="20000"/>
+          </a:bodyPr>
+          <a:lstStyle>
+            <a:lvl1pPr algn="ctr" defTabSz="457200" rtl="0" eaLnBrk="1" latinLnBrk="0" hangingPunct="1">
+              <a:spcBef>
+                <a:spcPct val="0"/>
+              </a:spcBef>
+              <a:buNone/>
+              <a:defRPr sz="4400" kern="1200">
+                <a:solidFill>
+                  <a:schemeClr val="tx1"/>
+                </a:solidFill>
+                <a:latin typeface="+mj-lt"/>
+                <a:ea typeface="+mj-ea"/>
+                <a:cs typeface="+mj-cs"/>
+              </a:defRPr>
+            </a:lvl1pPr>
+          </a:lstStyle>
+          <a:p>
+            <a:pPr algn="l"/>
+            <a:r>
+              <a:rPr lang="en-US" sz="1800" b="1" dirty="0">
+                <a:latin typeface="Times New Roman" panose="02020603050405020304" pitchFamily="18" charset="0"/>
+              </a:rPr>
+              <a:t>Combining Various Models </a:t>
+            </a:r>
+            <a:endParaRPr lang="en-US" sz="1800" b="1" dirty="0"/>
+          </a:p>
+        </p:txBody>
+      </p:sp>
+      <p:sp>
+        <p:nvSpPr>
+          <p:cNvPr id="23" name="Rounded Rectangle 55">
+            <a:extLst>
+              <a:ext uri="{FF2B5EF4-FFF2-40B4-BE49-F238E27FC236}">
+                <a16:creationId xmlns:a16="http://schemas.microsoft.com/office/drawing/2014/main" id="{91AD20EE-6373-4A65-B7A6-367B82B0E65E}"/>
+              </a:ext>
+            </a:extLst>
+          </p:cNvPr>
+          <p:cNvSpPr/>
+          <p:nvPr/>
+        </p:nvSpPr>
+        <p:spPr>
+          <a:xfrm>
+            <a:off x="1658866" y="5053659"/>
+            <a:ext cx="1696452" cy="985667"/>
+          </a:xfrm>
+          <a:prstGeom prst="roundRect">
+            <a:avLst/>
+          </a:prstGeom>
+        </p:spPr>
+        <p:style>
+          <a:lnRef idx="2">
+            <a:schemeClr val="dk1"/>
+          </a:lnRef>
+          <a:fillRef idx="1">
+            <a:schemeClr val="lt1"/>
+          </a:fillRef>
+          <a:effectRef idx="0">
+            <a:schemeClr val="dk1"/>
+          </a:effectRef>
+          <a:fontRef idx="minor">
+            <a:schemeClr val="dk1"/>
+          </a:fontRef>
+        </p:style>
+        <p:txBody>
+          <a:bodyPr rot="0" spcFirstLastPara="0" vert="horz" wrap="square" lIns="91440" tIns="45720" rIns="91440" bIns="45720" numCol="1" spcCol="0" rtlCol="0" fromWordArt="0" anchor="ctr" anchorCtr="0" forceAA="0" compatLnSpc="1">
+            <a:prstTxWarp prst="textNoShape">
+              <a:avLst/>
+            </a:prstTxWarp>
+            <a:noAutofit/>
+          </a:bodyPr>
+          <a:lstStyle/>
+          <a:p>
+            <a:pPr algn="ctr"/>
+            <a:r>
+              <a:rPr lang="en-US" sz="1600" dirty="0">
+                <a:latin typeface="Times New Roman" panose="02020603050405020304" pitchFamily="18" charset="0"/>
+                <a:ea typeface="ＭＳ 明朝"/>
+                <a:cs typeface="Times New Roman" panose="02020603050405020304" pitchFamily="18" charset="0"/>
+              </a:rPr>
+              <a:t>Methods of Combining The Models</a:t>
+            </a:r>
+          </a:p>
+        </p:txBody>
+      </p:sp>
+      <p:sp>
+        <p:nvSpPr>
+          <p:cNvPr id="24" name="Rectangle 23">
+            <a:extLst>
+              <a:ext uri="{FF2B5EF4-FFF2-40B4-BE49-F238E27FC236}">
+                <a16:creationId xmlns:a16="http://schemas.microsoft.com/office/drawing/2014/main" id="{619CD5AA-8903-47F2-8435-123D8A511C89}"/>
+              </a:ext>
+            </a:extLst>
+          </p:cNvPr>
+          <p:cNvSpPr/>
+          <p:nvPr/>
+        </p:nvSpPr>
+        <p:spPr>
+          <a:xfrm>
+            <a:off x="4394429" y="5276464"/>
+            <a:ext cx="5727172" cy="646331"/>
+          </a:xfrm>
+          <a:prstGeom prst="rect">
+            <a:avLst/>
+          </a:prstGeom>
+          <a:ln>
+            <a:solidFill>
+              <a:srgbClr val="92D050"/>
+            </a:solidFill>
+          </a:ln>
+        </p:spPr>
+        <p:txBody>
+          <a:bodyPr wrap="square">
+            <a:spAutoFit/>
+          </a:bodyPr>
+          <a:lstStyle/>
+          <a:p>
+            <a:r>
+              <a:rPr lang="en-US" b="1" dirty="0">
+                <a:latin typeface="Times New Roman" panose="02020603050405020304" pitchFamily="18" charset="0"/>
+                <a:ea typeface="ＭＳ 明朝"/>
+                <a:cs typeface="Times New Roman" panose="02020603050405020304" pitchFamily="18" charset="0"/>
+              </a:rPr>
+              <a:t>Random forest (RF) </a:t>
+            </a:r>
+            <a:r>
+              <a:rPr lang="en-US" dirty="0">
+                <a:latin typeface="Times New Roman" panose="02020603050405020304" pitchFamily="18" charset="0"/>
+                <a:ea typeface="ＭＳ 明朝"/>
+                <a:cs typeface="Times New Roman" panose="02020603050405020304" pitchFamily="18" charset="0"/>
+              </a:rPr>
+              <a:t>is chosen to be the </a:t>
+            </a:r>
+            <a:r>
+              <a:rPr lang="en-US" b="1" i="1" dirty="0">
+                <a:latin typeface="Times New Roman" panose="02020603050405020304" pitchFamily="18" charset="0"/>
+                <a:ea typeface="ＭＳ 明朝"/>
+                <a:cs typeface="Times New Roman" panose="02020603050405020304" pitchFamily="18" charset="0"/>
+              </a:rPr>
+              <a:t>ensemble learning </a:t>
+            </a:r>
+            <a:r>
+              <a:rPr lang="en-US" dirty="0">
+                <a:latin typeface="Times New Roman" panose="02020603050405020304" pitchFamily="18" charset="0"/>
+                <a:ea typeface="ＭＳ 明朝"/>
+                <a:cs typeface="Times New Roman" panose="02020603050405020304" pitchFamily="18" charset="0"/>
+              </a:rPr>
+              <a:t>method for combining the various models’ outcomes.</a:t>
+            </a:r>
+          </a:p>
+        </p:txBody>
+      </p:sp>
+      <p:sp>
+        <p:nvSpPr>
+          <p:cNvPr id="25" name="Arrow: Striped Right 24">
+            <a:extLst>
+              <a:ext uri="{FF2B5EF4-FFF2-40B4-BE49-F238E27FC236}">
+                <a16:creationId xmlns:a16="http://schemas.microsoft.com/office/drawing/2014/main" id="{EB9FDBA6-8A45-40C0-8EFC-05AEBFB70B49}"/>
+              </a:ext>
+            </a:extLst>
+          </p:cNvPr>
+          <p:cNvSpPr/>
+          <p:nvPr/>
+        </p:nvSpPr>
+        <p:spPr>
+          <a:xfrm>
+            <a:off x="3465793" y="5373135"/>
+            <a:ext cx="853091" cy="452986"/>
+          </a:xfrm>
+          <a:prstGeom prst="stripedRightArrow">
+            <a:avLst/>
+          </a:prstGeom>
+          <a:solidFill>
+            <a:schemeClr val="bg1"/>
+          </a:solidFill>
+        </p:spPr>
+        <p:style>
+          <a:lnRef idx="1">
+            <a:schemeClr val="accent1"/>
+          </a:lnRef>
+          <a:fillRef idx="3">
+            <a:schemeClr val="accent1"/>
+          </a:fillRef>
+          <a:effectRef idx="2">
+            <a:schemeClr val="accent1"/>
+          </a:effectRef>
+          <a:fontRef idx="minor">
+            <a:schemeClr val="lt1"/>
+          </a:fontRef>
+        </p:style>
+        <p:txBody>
+          <a:bodyPr rtlCol="0" anchor="ctr"/>
+          <a:lstStyle/>
+          <a:p>
+            <a:pPr algn="ctr"/>
+            <a:endParaRPr lang="en-US" dirty="0">
+              <a:solidFill>
+                <a:schemeClr val="tx1"/>
+              </a:solidFill>
+            </a:endParaRPr>
+          </a:p>
+        </p:txBody>
+      </p:sp>
+      <p:sp>
+        <p:nvSpPr>
+          <p:cNvPr id="26" name="TextBox 25">
+            <a:extLst>
+              <a:ext uri="{FF2B5EF4-FFF2-40B4-BE49-F238E27FC236}">
+                <a16:creationId xmlns:a16="http://schemas.microsoft.com/office/drawing/2014/main" id="{1CA363C3-D605-4834-8B65-3EF1F0C48947}"/>
+              </a:ext>
+            </a:extLst>
+          </p:cNvPr>
+          <p:cNvSpPr txBox="1"/>
+          <p:nvPr/>
+        </p:nvSpPr>
+        <p:spPr>
+          <a:xfrm>
+            <a:off x="4248084" y="4338924"/>
+            <a:ext cx="4739640" cy="369332"/>
+          </a:xfrm>
+          <a:prstGeom prst="rect">
+            <a:avLst/>
+          </a:prstGeom>
+          <a:noFill/>
+          <a:ln>
+            <a:solidFill>
+              <a:schemeClr val="bg1">
+                <a:lumMod val="75000"/>
+              </a:schemeClr>
+            </a:solidFill>
+          </a:ln>
+        </p:spPr>
+        <p:txBody>
+          <a:bodyPr wrap="square" rtlCol="0">
+            <a:spAutoFit/>
+          </a:bodyPr>
+          <a:lstStyle/>
+          <a:p>
+            <a:r>
+              <a:rPr lang="en-US" i="1" dirty="0" err="1">
+                <a:latin typeface="Times New Roman" panose="02020603050405020304" pitchFamily="18" charset="0"/>
+                <a:cs typeface="Times New Roman" panose="02020603050405020304" pitchFamily="18" charset="0"/>
+              </a:rPr>
+              <a:t>F</a:t>
+            </a:r>
+            <a:r>
+              <a:rPr lang="en-US" i="1" baseline="-25000" dirty="0" err="1">
+                <a:latin typeface="Times New Roman" panose="02020603050405020304" pitchFamily="18" charset="0"/>
+                <a:cs typeface="Times New Roman" panose="02020603050405020304" pitchFamily="18" charset="0"/>
+              </a:rPr>
+              <a:t>comb</a:t>
+            </a:r>
+            <a:r>
+              <a:rPr lang="en-US" i="1" dirty="0">
+                <a:latin typeface="Times New Roman" panose="02020603050405020304" pitchFamily="18" charset="0"/>
+                <a:cs typeface="Times New Roman" panose="02020603050405020304" pitchFamily="18" charset="0"/>
+              </a:rPr>
+              <a:t>=W</a:t>
+            </a:r>
+            <a:r>
+              <a:rPr lang="en-US" i="1" baseline="-25000" dirty="0">
+                <a:latin typeface="Times New Roman" panose="02020603050405020304" pitchFamily="18" charset="0"/>
+                <a:cs typeface="Times New Roman" panose="02020603050405020304" pitchFamily="18" charset="0"/>
+              </a:rPr>
+              <a:t>A</a:t>
+            </a:r>
+            <a:r>
+              <a:rPr lang="en-US" i="1" dirty="0">
+                <a:latin typeface="Times New Roman" panose="02020603050405020304" pitchFamily="18" charset="0"/>
+                <a:cs typeface="Times New Roman" panose="02020603050405020304" pitchFamily="18" charset="0"/>
+              </a:rPr>
+              <a:t>*M</a:t>
+            </a:r>
+            <a:r>
+              <a:rPr lang="en-US" i="1" baseline="-25000" dirty="0">
+                <a:latin typeface="Times New Roman" panose="02020603050405020304" pitchFamily="18" charset="0"/>
+                <a:cs typeface="Times New Roman" panose="02020603050405020304" pitchFamily="18" charset="0"/>
+              </a:rPr>
+              <a:t>A</a:t>
+            </a:r>
+            <a:r>
+              <a:rPr lang="en-US" i="1" dirty="0">
+                <a:latin typeface="Times New Roman" panose="02020603050405020304" pitchFamily="18" charset="0"/>
+                <a:cs typeface="Times New Roman" panose="02020603050405020304" pitchFamily="18" charset="0"/>
+              </a:rPr>
+              <a:t>+ W</a:t>
+            </a:r>
+            <a:r>
+              <a:rPr lang="en-US" i="1" baseline="-25000" dirty="0">
+                <a:latin typeface="Times New Roman" panose="02020603050405020304" pitchFamily="18" charset="0"/>
+                <a:cs typeface="Times New Roman" panose="02020603050405020304" pitchFamily="18" charset="0"/>
+              </a:rPr>
+              <a:t>B</a:t>
+            </a:r>
+            <a:r>
+              <a:rPr lang="en-US" i="1" dirty="0">
+                <a:latin typeface="Times New Roman" panose="02020603050405020304" pitchFamily="18" charset="0"/>
+                <a:cs typeface="Times New Roman" panose="02020603050405020304" pitchFamily="18" charset="0"/>
+              </a:rPr>
+              <a:t>*M</a:t>
+            </a:r>
+            <a:r>
+              <a:rPr lang="en-US" i="1" baseline="-25000" dirty="0">
+                <a:latin typeface="Times New Roman" panose="02020603050405020304" pitchFamily="18" charset="0"/>
+                <a:cs typeface="Times New Roman" panose="02020603050405020304" pitchFamily="18" charset="0"/>
+              </a:rPr>
+              <a:t>B</a:t>
+            </a:r>
+            <a:r>
+              <a:rPr lang="en-US" i="1" dirty="0">
+                <a:latin typeface="Times New Roman" panose="02020603050405020304" pitchFamily="18" charset="0"/>
+                <a:cs typeface="Times New Roman" panose="02020603050405020304" pitchFamily="18" charset="0"/>
+              </a:rPr>
+              <a:t> + W</a:t>
+            </a:r>
+            <a:r>
+              <a:rPr lang="en-US" i="1" baseline="-25000" dirty="0">
+                <a:latin typeface="Times New Roman" panose="02020603050405020304" pitchFamily="18" charset="0"/>
+                <a:cs typeface="Times New Roman" panose="02020603050405020304" pitchFamily="18" charset="0"/>
+              </a:rPr>
+              <a:t>C</a:t>
+            </a:r>
+            <a:r>
+              <a:rPr lang="en-US" i="1" dirty="0">
+                <a:latin typeface="Times New Roman" panose="02020603050405020304" pitchFamily="18" charset="0"/>
+                <a:cs typeface="Times New Roman" panose="02020603050405020304" pitchFamily="18" charset="0"/>
+              </a:rPr>
+              <a:t>*M</a:t>
+            </a:r>
+            <a:r>
+              <a:rPr lang="en-US" i="1" baseline="-25000" dirty="0">
+                <a:latin typeface="Times New Roman" panose="02020603050405020304" pitchFamily="18" charset="0"/>
+                <a:cs typeface="Times New Roman" panose="02020603050405020304" pitchFamily="18" charset="0"/>
+              </a:rPr>
+              <a:t>C</a:t>
+            </a:r>
+            <a:r>
+              <a:rPr lang="en-US" i="1" dirty="0">
+                <a:latin typeface="Times New Roman" panose="02020603050405020304" pitchFamily="18" charset="0"/>
+                <a:cs typeface="Times New Roman" panose="02020603050405020304" pitchFamily="18" charset="0"/>
+              </a:rPr>
+              <a:t> ….+ W</a:t>
+            </a:r>
+            <a:r>
+              <a:rPr lang="en-US" i="1" baseline="-25000" dirty="0">
+                <a:latin typeface="Times New Roman" panose="02020603050405020304" pitchFamily="18" charset="0"/>
+                <a:cs typeface="Times New Roman" panose="02020603050405020304" pitchFamily="18" charset="0"/>
+              </a:rPr>
+              <a:t>N</a:t>
+            </a:r>
+            <a:r>
+              <a:rPr lang="en-US" i="1" dirty="0">
+                <a:latin typeface="Times New Roman" panose="02020603050405020304" pitchFamily="18" charset="0"/>
+                <a:cs typeface="Times New Roman" panose="02020603050405020304" pitchFamily="18" charset="0"/>
+              </a:rPr>
+              <a:t>*M</a:t>
+            </a:r>
+            <a:r>
+              <a:rPr lang="en-US" i="1" baseline="-25000" dirty="0">
+                <a:latin typeface="Times New Roman" panose="02020603050405020304" pitchFamily="18" charset="0"/>
+                <a:cs typeface="Times New Roman" panose="02020603050405020304" pitchFamily="18" charset="0"/>
+              </a:rPr>
+              <a:t>N</a:t>
+            </a:r>
+            <a:endParaRPr lang="en-US" i="1" dirty="0">
+              <a:latin typeface="Times New Roman" panose="02020603050405020304" pitchFamily="18" charset="0"/>
+              <a:cs typeface="Times New Roman" panose="02020603050405020304" pitchFamily="18" charset="0"/>
+            </a:endParaRPr>
+          </a:p>
+        </p:txBody>
+      </p:sp>
+      <p:sp>
+        <p:nvSpPr>
+          <p:cNvPr id="27" name="Rectangle 26">
+            <a:extLst>
+              <a:ext uri="{FF2B5EF4-FFF2-40B4-BE49-F238E27FC236}">
+                <a16:creationId xmlns:a16="http://schemas.microsoft.com/office/drawing/2014/main" id="{EBCB4EAB-D94C-4B63-9194-3FA88017C439}"/>
+              </a:ext>
+            </a:extLst>
+          </p:cNvPr>
+          <p:cNvSpPr/>
+          <p:nvPr/>
+        </p:nvSpPr>
+        <p:spPr>
+          <a:xfrm>
+            <a:off x="5638801" y="4761767"/>
+            <a:ext cx="4914900" cy="338554"/>
+          </a:xfrm>
+          <a:prstGeom prst="rect">
+            <a:avLst/>
+          </a:prstGeom>
+        </p:spPr>
+        <p:txBody>
+          <a:bodyPr wrap="square">
+            <a:spAutoFit/>
+          </a:bodyPr>
+          <a:lstStyle/>
+          <a:p>
+            <a:r>
+              <a:rPr lang="en-US" sz="1600" dirty="0">
+                <a:latin typeface="Times New Roman" panose="02020603050405020304" pitchFamily="18" charset="0"/>
+                <a:cs typeface="Times New Roman" panose="02020603050405020304" pitchFamily="18" charset="0"/>
+              </a:rPr>
+              <a:t>W</a:t>
+            </a:r>
+            <a:r>
+              <a:rPr lang="en-US" sz="1600" baseline="-25000" dirty="0">
+                <a:latin typeface="Times New Roman" panose="02020603050405020304" pitchFamily="18" charset="0"/>
+                <a:cs typeface="Times New Roman" panose="02020603050405020304" pitchFamily="18" charset="0"/>
+              </a:rPr>
+              <a:t>N </a:t>
+            </a:r>
+            <a:r>
+              <a:rPr lang="en-US" sz="1600" dirty="0">
+                <a:latin typeface="Times New Roman" panose="02020603050405020304" pitchFamily="18" charset="0"/>
+                <a:cs typeface="Times New Roman" panose="02020603050405020304" pitchFamily="18" charset="0"/>
+              </a:rPr>
+              <a:t>is a weight is assigned to the outcome of a model M</a:t>
+            </a:r>
+            <a:r>
+              <a:rPr lang="en-US" sz="1600" baseline="-25000" dirty="0">
+                <a:latin typeface="Times New Roman" panose="02020603050405020304" pitchFamily="18" charset="0"/>
+                <a:cs typeface="Times New Roman" panose="02020603050405020304" pitchFamily="18" charset="0"/>
+              </a:rPr>
+              <a:t>N</a:t>
+            </a:r>
+            <a:r>
+              <a:rPr lang="en-US" sz="1600" dirty="0">
+                <a:latin typeface="Times New Roman" panose="02020603050405020304" pitchFamily="18" charset="0"/>
+                <a:cs typeface="Times New Roman" panose="02020603050405020304" pitchFamily="18" charset="0"/>
+              </a:rPr>
+              <a:t> </a:t>
+            </a:r>
+            <a:endParaRPr lang="en-US" sz="1600" dirty="0"/>
+          </a:p>
+        </p:txBody>
+      </p:sp>
+      <p:sp>
+        <p:nvSpPr>
+          <p:cNvPr id="28" name="Title 1">
+            <a:extLst>
+              <a:ext uri="{FF2B5EF4-FFF2-40B4-BE49-F238E27FC236}">
+                <a16:creationId xmlns:a16="http://schemas.microsoft.com/office/drawing/2014/main" id="{CFB91B93-94AC-41A4-A891-75A3067C5EE6}"/>
+              </a:ext>
+            </a:extLst>
+          </p:cNvPr>
+          <p:cNvSpPr txBox="1">
+            <a:spLocks/>
+          </p:cNvSpPr>
+          <p:nvPr/>
+        </p:nvSpPr>
+        <p:spPr>
+          <a:xfrm>
+            <a:off x="3902962" y="350529"/>
+            <a:ext cx="4739640" cy="426720"/>
+          </a:xfrm>
+          <a:prstGeom prst="rect">
+            <a:avLst/>
+          </a:prstGeom>
+        </p:spPr>
+        <p:txBody>
+          <a:bodyPr vert="horz" lIns="91440" tIns="45720" rIns="91440" bIns="45720" rtlCol="0" anchor="ctr">
+            <a:normAutofit/>
+          </a:bodyPr>
+          <a:lstStyle>
+            <a:lvl1pPr algn="ctr" defTabSz="457200" rtl="0" eaLnBrk="1" latinLnBrk="0" hangingPunct="1">
+              <a:spcBef>
+                <a:spcPct val="0"/>
+              </a:spcBef>
+              <a:buNone/>
+              <a:defRPr sz="4400" kern="1200">
+                <a:solidFill>
+                  <a:schemeClr val="tx1"/>
+                </a:solidFill>
+                <a:latin typeface="+mj-lt"/>
+                <a:ea typeface="+mj-ea"/>
+                <a:cs typeface="+mj-cs"/>
+              </a:defRPr>
+            </a:lvl1pPr>
+          </a:lstStyle>
+          <a:p>
+            <a:r>
+              <a:rPr lang="en-US" sz="2000" b="1" dirty="0">
+                <a:latin typeface="Times New Roman" panose="02020603050405020304" pitchFamily="18" charset="0"/>
+              </a:rPr>
+              <a:t>Ensemble Forecasts</a:t>
+            </a:r>
+            <a:endParaRPr lang="en-US" sz="2000" b="1" dirty="0"/>
+          </a:p>
+        </p:txBody>
+      </p:sp>
+      <p:sp>
+        <p:nvSpPr>
+          <p:cNvPr id="29" name="Rectangle 28">
+            <a:extLst>
+              <a:ext uri="{FF2B5EF4-FFF2-40B4-BE49-F238E27FC236}">
+                <a16:creationId xmlns:a16="http://schemas.microsoft.com/office/drawing/2014/main" id="{B2F96A09-AB4F-43BD-B59B-CD459D1D1201}"/>
+              </a:ext>
+            </a:extLst>
+          </p:cNvPr>
+          <p:cNvSpPr/>
+          <p:nvPr/>
+        </p:nvSpPr>
+        <p:spPr>
+          <a:xfrm>
+            <a:off x="2235832" y="6084312"/>
+            <a:ext cx="7031666" cy="523220"/>
+          </a:xfrm>
+          <a:prstGeom prst="rect">
+            <a:avLst/>
+          </a:prstGeom>
+        </p:spPr>
+        <p:txBody>
+          <a:bodyPr wrap="square">
+            <a:spAutoFit/>
+          </a:bodyPr>
+          <a:lstStyle/>
+          <a:p>
+            <a:pPr marL="173355" indent="-237490" algn="just">
+              <a:spcAft>
+                <a:spcPts val="200"/>
+              </a:spcAft>
+            </a:pPr>
+            <a:r>
+              <a:rPr lang="en-US" sz="1400" dirty="0">
+                <a:latin typeface="Times New Roman" panose="02020603050405020304" pitchFamily="18" charset="0"/>
+                <a:ea typeface="SimSun" panose="02010600030101010101" pitchFamily="2" charset="-122"/>
+              </a:rPr>
+              <a:t>T. Hastie, R. </a:t>
+            </a:r>
+            <a:r>
+              <a:rPr lang="en-US" sz="1400" dirty="0" err="1">
+                <a:latin typeface="Times New Roman" panose="02020603050405020304" pitchFamily="18" charset="0"/>
+                <a:ea typeface="SimSun" panose="02010600030101010101" pitchFamily="2" charset="-122"/>
+              </a:rPr>
+              <a:t>Tibshirani</a:t>
+            </a:r>
+            <a:r>
+              <a:rPr lang="en-US" sz="1400" dirty="0">
+                <a:latin typeface="Times New Roman" panose="02020603050405020304" pitchFamily="18" charset="0"/>
+                <a:ea typeface="SimSun" panose="02010600030101010101" pitchFamily="2" charset="-122"/>
+              </a:rPr>
+              <a:t>, J. Friedman, and others, </a:t>
+            </a:r>
+            <a:r>
+              <a:rPr lang="en-US" sz="1400" i="1" dirty="0">
+                <a:latin typeface="Times New Roman" panose="02020603050405020304" pitchFamily="18" charset="0"/>
+                <a:ea typeface="SimSun" panose="02010600030101010101" pitchFamily="2" charset="-122"/>
+              </a:rPr>
+              <a:t>The elements of statistical learning</a:t>
+            </a:r>
+            <a:r>
+              <a:rPr lang="en-US" sz="1400" dirty="0">
+                <a:latin typeface="Times New Roman" panose="02020603050405020304" pitchFamily="18" charset="0"/>
+                <a:ea typeface="SimSun" panose="02010600030101010101" pitchFamily="2" charset="-122"/>
+              </a:rPr>
+              <a:t>, 2</a:t>
+            </a:r>
+            <a:r>
+              <a:rPr lang="en-US" sz="1400" baseline="30000" dirty="0">
+                <a:latin typeface="Times New Roman" panose="02020603050405020304" pitchFamily="18" charset="0"/>
+                <a:ea typeface="SimSun" panose="02010600030101010101" pitchFamily="2" charset="-122"/>
+              </a:rPr>
+              <a:t>nd </a:t>
+            </a:r>
+            <a:r>
+              <a:rPr lang="en-US" sz="1400" dirty="0">
+                <a:latin typeface="Times New Roman" panose="02020603050405020304" pitchFamily="18" charset="0"/>
+                <a:ea typeface="SimSun" panose="02010600030101010101" pitchFamily="2" charset="-122"/>
+              </a:rPr>
+              <a:t>Edition. Springer-Verlag New York, 2009.</a:t>
+            </a:r>
+            <a:endParaRPr lang="en-US" dirty="0">
+              <a:latin typeface="Times New Roman" panose="02020603050405020304" pitchFamily="18" charset="0"/>
+              <a:ea typeface="SimSun" panose="02010600030101010101" pitchFamily="2" charset="-122"/>
+            </a:endParaRPr>
+          </a:p>
+        </p:txBody>
+      </p:sp>
+      <p:sp>
+        <p:nvSpPr>
+          <p:cNvPr id="30" name="Slide Number Placeholder 3">
+            <a:extLst>
+              <a:ext uri="{FF2B5EF4-FFF2-40B4-BE49-F238E27FC236}">
+                <a16:creationId xmlns:a16="http://schemas.microsoft.com/office/drawing/2014/main" id="{DABC2CA9-E226-426A-9F65-09E30F807A27}"/>
+              </a:ext>
+            </a:extLst>
+          </p:cNvPr>
+          <p:cNvSpPr>
+            <a:spLocks noGrp="1"/>
+          </p:cNvSpPr>
+          <p:nvPr>
+            <p:ph type="sldNum" sz="quarter" idx="12"/>
+          </p:nvPr>
+        </p:nvSpPr>
+        <p:spPr>
+          <a:xfrm>
+            <a:off x="8610600" y="6356350"/>
+            <a:ext cx="2743200" cy="365125"/>
+          </a:xfrm>
+        </p:spPr>
+        <p:txBody>
+          <a:bodyPr/>
+          <a:lstStyle/>
+          <a:p>
+            <a:fld id="{10038807-1F43-C242-97ED-819D14105488}" type="slidenum">
+              <a:rPr lang="en-US" smtClean="0">
+                <a:solidFill>
+                  <a:schemeClr val="tx1"/>
+                </a:solidFill>
+              </a:rPr>
+              <a:t>9</a:t>
+            </a:fld>
+            <a:endParaRPr lang="en-US" dirty="0">
+              <a:solidFill>
+                <a:schemeClr val="tx1"/>
+              </a:solidFill>
+            </a:endParaRPr>
+          </a:p>
+        </p:txBody>
+      </p:sp>
+      <p:grpSp>
+        <p:nvGrpSpPr>
+          <p:cNvPr id="31" name="Group 30">
+            <a:extLst>
+              <a:ext uri="{FF2B5EF4-FFF2-40B4-BE49-F238E27FC236}">
+                <a16:creationId xmlns:a16="http://schemas.microsoft.com/office/drawing/2014/main" id="{BA22C756-BC6C-43DD-B96C-4FF3EB2E072D}"/>
+              </a:ext>
+            </a:extLst>
+          </p:cNvPr>
+          <p:cNvGrpSpPr/>
+          <p:nvPr/>
+        </p:nvGrpSpPr>
+        <p:grpSpPr>
+          <a:xfrm>
+            <a:off x="1789021" y="1263775"/>
+            <a:ext cx="8143873" cy="2496878"/>
+            <a:chOff x="1969608" y="3901887"/>
+            <a:chExt cx="7713952" cy="2189486"/>
+          </a:xfrm>
+        </p:grpSpPr>
+        <p:grpSp>
+          <p:nvGrpSpPr>
+            <p:cNvPr id="32" name="Group 31">
+              <a:extLst>
+                <a:ext uri="{FF2B5EF4-FFF2-40B4-BE49-F238E27FC236}">
+                  <a16:creationId xmlns:a16="http://schemas.microsoft.com/office/drawing/2014/main" id="{93BAF052-4FA1-44FE-8A20-99007A546433}"/>
+                </a:ext>
+              </a:extLst>
+            </p:cNvPr>
+            <p:cNvGrpSpPr/>
+            <p:nvPr/>
+          </p:nvGrpSpPr>
+          <p:grpSpPr>
+            <a:xfrm>
+              <a:off x="1969608" y="3901887"/>
+              <a:ext cx="7713952" cy="2189486"/>
+              <a:chOff x="-67310" y="1"/>
+              <a:chExt cx="5634143" cy="1821898"/>
+            </a:xfrm>
+          </p:grpSpPr>
+          <p:cxnSp>
+            <p:nvCxnSpPr>
+              <p:cNvPr id="35" name="Straight Arrow Connector 34">
+                <a:extLst>
+                  <a:ext uri="{FF2B5EF4-FFF2-40B4-BE49-F238E27FC236}">
+                    <a16:creationId xmlns:a16="http://schemas.microsoft.com/office/drawing/2014/main" id="{B4276046-04DB-4507-855A-6FAA341B274D}"/>
+                  </a:ext>
+                </a:extLst>
+              </p:cNvPr>
+              <p:cNvCxnSpPr>
+                <a:cxnSpLocks/>
+                <a:stCxn id="33" idx="3"/>
+              </p:cNvCxnSpPr>
+              <p:nvPr/>
+            </p:nvCxnSpPr>
+            <p:spPr>
+              <a:xfrm>
+                <a:off x="1902773" y="222031"/>
+                <a:ext cx="951055" cy="351473"/>
+              </a:xfrm>
+              <a:prstGeom prst="straightConnector1">
+                <a:avLst/>
+              </a:prstGeom>
+              <a:noFill/>
+              <a:ln w="34925" cap="flat" cmpd="sng" algn="ctr">
+                <a:solidFill>
+                  <a:sysClr val="windowText" lastClr="000000"/>
+                </a:solidFill>
+                <a:prstDash val="solid"/>
+                <a:miter lim="800000"/>
+                <a:headEnd type="none" w="med" len="med"/>
+                <a:tailEnd type="triangle" w="lg" len="lg"/>
+              </a:ln>
+              <a:effectLst/>
+            </p:spPr>
+          </p:cxnSp>
+          <p:cxnSp>
+            <p:nvCxnSpPr>
+              <p:cNvPr id="36" name="Straight Arrow Connector 35">
+                <a:extLst>
+                  <a:ext uri="{FF2B5EF4-FFF2-40B4-BE49-F238E27FC236}">
+                    <a16:creationId xmlns:a16="http://schemas.microsoft.com/office/drawing/2014/main" id="{5271E1BB-2557-44DC-BF37-9B2F31F8D6DA}"/>
+                  </a:ext>
+                </a:extLst>
+              </p:cNvPr>
+              <p:cNvCxnSpPr>
+                <a:cxnSpLocks/>
+                <a:stCxn id="34" idx="3"/>
+                <a:endCxn id="40" idx="1"/>
+              </p:cNvCxnSpPr>
+              <p:nvPr/>
+            </p:nvCxnSpPr>
+            <p:spPr>
+              <a:xfrm>
+                <a:off x="1902772" y="669235"/>
+                <a:ext cx="954729" cy="104304"/>
+              </a:xfrm>
+              <a:prstGeom prst="straightConnector1">
+                <a:avLst/>
+              </a:prstGeom>
+              <a:noFill/>
+              <a:ln w="34925" cap="flat" cmpd="sng" algn="ctr">
+                <a:solidFill>
+                  <a:sysClr val="windowText" lastClr="000000"/>
+                </a:solidFill>
+                <a:prstDash val="solid"/>
+                <a:miter lim="800000"/>
+                <a:headEnd type="none" w="med" len="med"/>
+                <a:tailEnd type="triangle" w="lg" len="lg"/>
+              </a:ln>
+              <a:effectLst/>
+            </p:spPr>
+          </p:cxnSp>
+          <p:grpSp>
+            <p:nvGrpSpPr>
+              <p:cNvPr id="37" name="Group 36">
+                <a:extLst>
+                  <a:ext uri="{FF2B5EF4-FFF2-40B4-BE49-F238E27FC236}">
+                    <a16:creationId xmlns:a16="http://schemas.microsoft.com/office/drawing/2014/main" id="{9105BA5C-1E39-4D84-83D0-E4FCC50AF3CD}"/>
+                  </a:ext>
+                </a:extLst>
+              </p:cNvPr>
+              <p:cNvGrpSpPr/>
+              <p:nvPr/>
+            </p:nvGrpSpPr>
+            <p:grpSpPr>
+              <a:xfrm>
+                <a:off x="-67310" y="1"/>
+                <a:ext cx="5634143" cy="1821898"/>
+                <a:chOff x="-67310" y="1"/>
+                <a:chExt cx="5634143" cy="1821898"/>
+              </a:xfrm>
+            </p:grpSpPr>
+            <p:sp>
+              <p:nvSpPr>
+                <p:cNvPr id="38" name="Rounded Rectangle 53">
+                  <a:extLst>
+                    <a:ext uri="{FF2B5EF4-FFF2-40B4-BE49-F238E27FC236}">
+                      <a16:creationId xmlns:a16="http://schemas.microsoft.com/office/drawing/2014/main" id="{6FD88261-8085-45A4-9057-23224815472D}"/>
+                    </a:ext>
+                  </a:extLst>
+                </p:cNvPr>
+                <p:cNvSpPr/>
+                <p:nvPr/>
+              </p:nvSpPr>
+              <p:spPr>
+                <a:xfrm>
+                  <a:off x="1122344" y="959241"/>
+                  <a:ext cx="790282" cy="307154"/>
+                </a:xfrm>
+                <a:prstGeom prst="roundRect">
+                  <a:avLst/>
+                </a:prstGeom>
+                <a:solidFill>
+                  <a:sysClr val="window" lastClr="FFFFFF"/>
+                </a:solidFill>
+                <a:ln w="12700" cap="flat" cmpd="sng" algn="ctr">
+                  <a:solidFill>
+                    <a:sysClr val="windowText" lastClr="000000"/>
+                  </a:solidFill>
+                  <a:prstDash val="solid"/>
+                  <a:miter lim="800000"/>
+                </a:ln>
+                <a:effectLst/>
+              </p:spPr>
+              <p:txBody>
+                <a:bodyPr rot="0" spcFirstLastPara="0" vert="horz" wrap="square" lIns="91440" tIns="45720" rIns="91440" bIns="45720" numCol="1" spcCol="0" rtlCol="0" fromWordArt="0" anchor="ctr" anchorCtr="0" forceAA="0" compatLnSpc="1">
+                  <a:prstTxWarp prst="textNoShape">
+                    <a:avLst/>
+                  </a:prstTxWarp>
+                  <a:noAutofit/>
+                </a:bodyPr>
+                <a:lstStyle/>
+                <a:p>
+                  <a:pPr marL="0" marR="0" lvl="0" indent="0" algn="ctr" defTabSz="914400" eaLnBrk="1" fontAlgn="auto" latinLnBrk="0" hangingPunct="1">
+                    <a:lnSpc>
+                      <a:spcPct val="100000"/>
+                    </a:lnSpc>
+                    <a:spcBef>
+                      <a:spcPts val="0"/>
+                    </a:spcBef>
+                    <a:spcAft>
+                      <a:spcPts val="0"/>
+                    </a:spcAft>
+                    <a:buClrTx/>
+                    <a:buSzTx/>
+                    <a:buFontTx/>
+                    <a:buNone/>
+                    <a:tabLst/>
+                    <a:defRPr/>
+                  </a:pPr>
+                  <a:r>
+                    <a:rPr kumimoji="0" lang="en-US" b="0" i="0" u="none" strike="noStrike" kern="0" cap="none" spc="0" normalizeH="0" baseline="0" noProof="0" dirty="0">
+                      <a:ln>
+                        <a:noFill/>
+                      </a:ln>
+                      <a:solidFill>
+                        <a:prstClr val="black"/>
+                      </a:solidFill>
+                      <a:effectLst/>
+                      <a:uLnTx/>
+                      <a:uFillTx/>
+                      <a:latin typeface="Times New Roman" panose="02020603050405020304" pitchFamily="18" charset="0"/>
+                      <a:ea typeface="ＭＳ 明朝"/>
+                      <a:cs typeface="Times New Roman" panose="02020603050405020304" pitchFamily="18" charset="0"/>
+                    </a:rPr>
+                    <a:t>Model N</a:t>
+                  </a:r>
+                </a:p>
+              </p:txBody>
+            </p:sp>
+            <p:sp>
+              <p:nvSpPr>
+                <p:cNvPr id="39" name="Rounded Rectangle 54">
+                  <a:extLst>
+                    <a:ext uri="{FF2B5EF4-FFF2-40B4-BE49-F238E27FC236}">
+                      <a16:creationId xmlns:a16="http://schemas.microsoft.com/office/drawing/2014/main" id="{A12E45E2-4172-4CE0-8647-41B01681ED0B}"/>
+                    </a:ext>
+                  </a:extLst>
+                </p:cNvPr>
+                <p:cNvSpPr/>
+                <p:nvPr/>
+              </p:nvSpPr>
+              <p:spPr>
+                <a:xfrm>
+                  <a:off x="1122344" y="1413128"/>
+                  <a:ext cx="790282" cy="408771"/>
+                </a:xfrm>
+                <a:prstGeom prst="roundRect">
+                  <a:avLst/>
+                </a:prstGeom>
+                <a:solidFill>
+                  <a:sysClr val="window" lastClr="FFFFFF"/>
+                </a:solidFill>
+                <a:ln w="12700" cap="flat" cmpd="sng" algn="ctr">
+                  <a:solidFill>
+                    <a:sysClr val="windowText" lastClr="000000"/>
+                  </a:solidFill>
+                  <a:prstDash val="solid"/>
+                  <a:miter lim="800000"/>
+                </a:ln>
+                <a:effectLst/>
+              </p:spPr>
+              <p:txBody>
+                <a:bodyPr rot="0" spcFirstLastPara="0" vert="horz" wrap="square" lIns="91440" tIns="45720" rIns="91440" bIns="45720" numCol="1" spcCol="0" rtlCol="0" fromWordArt="0" anchor="ctr" anchorCtr="0" forceAA="0" compatLnSpc="1">
+                  <a:prstTxWarp prst="textNoShape">
+                    <a:avLst/>
+                  </a:prstTxWarp>
+                  <a:noAutofit/>
+                </a:bodyPr>
+                <a:lstStyle/>
+                <a:p>
+                  <a:pPr marL="0" marR="0" lvl="0" indent="0" algn="ctr" defTabSz="914400" eaLnBrk="1" fontAlgn="auto" latinLnBrk="0" hangingPunct="1">
+                    <a:lnSpc>
+                      <a:spcPct val="100000"/>
+                    </a:lnSpc>
+                    <a:spcBef>
+                      <a:spcPts val="0"/>
+                    </a:spcBef>
+                    <a:spcAft>
+                      <a:spcPts val="0"/>
+                    </a:spcAft>
+                    <a:buClrTx/>
+                    <a:buSzTx/>
+                    <a:buFontTx/>
+                    <a:buNone/>
+                    <a:tabLst/>
+                    <a:defRPr/>
+                  </a:pPr>
+                  <a:r>
+                    <a:rPr kumimoji="0" lang="en-US" b="0" i="0" u="none" strike="noStrike" kern="0" cap="none" spc="0" normalizeH="0" baseline="0" noProof="0" dirty="0">
+                      <a:ln>
+                        <a:noFill/>
+                      </a:ln>
+                      <a:solidFill>
+                        <a:prstClr val="black"/>
+                      </a:solidFill>
+                      <a:effectLst/>
+                      <a:uLnTx/>
+                      <a:uFillTx/>
+                      <a:latin typeface="Times New Roman" panose="02020603050405020304" pitchFamily="18" charset="0"/>
+                      <a:ea typeface="ＭＳ 明朝"/>
+                      <a:cs typeface="Times New Roman" panose="02020603050405020304" pitchFamily="18" charset="0"/>
+                    </a:rPr>
+                    <a:t>Weather Data</a:t>
+                  </a:r>
+                </a:p>
+              </p:txBody>
+            </p:sp>
+            <p:sp>
+              <p:nvSpPr>
+                <p:cNvPr id="40" name="Rounded Rectangle 55">
+                  <a:extLst>
+                    <a:ext uri="{FF2B5EF4-FFF2-40B4-BE49-F238E27FC236}">
+                      <a16:creationId xmlns:a16="http://schemas.microsoft.com/office/drawing/2014/main" id="{06D21C2C-B0D8-478F-B8D0-775913A5874E}"/>
+                    </a:ext>
+                  </a:extLst>
+                </p:cNvPr>
+                <p:cNvSpPr/>
+                <p:nvPr/>
+              </p:nvSpPr>
+              <p:spPr>
+                <a:xfrm>
+                  <a:off x="2857500" y="340047"/>
+                  <a:ext cx="1371600" cy="866982"/>
+                </a:xfrm>
+                <a:prstGeom prst="roundRect">
+                  <a:avLst/>
+                </a:prstGeom>
+                <a:solidFill>
+                  <a:sysClr val="window" lastClr="FFFFFF"/>
+                </a:solidFill>
+                <a:ln w="12700" cap="flat" cmpd="sng" algn="ctr">
+                  <a:solidFill>
+                    <a:sysClr val="windowText" lastClr="000000"/>
+                  </a:solidFill>
+                  <a:prstDash val="solid"/>
+                  <a:miter lim="800000"/>
+                </a:ln>
+                <a:effectLst/>
+              </p:spPr>
+              <p:txBody>
+                <a:bodyPr rot="0" spcFirstLastPara="0" vert="horz" wrap="square" lIns="91440" tIns="45720" rIns="91440" bIns="45720" numCol="1" spcCol="0" rtlCol="0" fromWordArt="0" anchor="ctr" anchorCtr="0" forceAA="0" compatLnSpc="1">
+                  <a:prstTxWarp prst="textNoShape">
+                    <a:avLst/>
+                  </a:prstTxWarp>
+                  <a:noAutofit/>
+                </a:bodyPr>
+                <a:lstStyle/>
+                <a:p>
+                  <a:pPr lvl="0" algn="ctr" defTabSz="914400">
+                    <a:defRPr/>
+                  </a:pPr>
+                  <a:r>
+                    <a:rPr kumimoji="0" lang="en-US" b="0" i="0" u="none" strike="noStrike" kern="0" cap="none" spc="0" normalizeH="0" baseline="0" noProof="0" dirty="0">
+                      <a:ln>
+                        <a:noFill/>
+                      </a:ln>
+                      <a:solidFill>
+                        <a:prstClr val="black"/>
+                      </a:solidFill>
+                      <a:effectLst/>
+                      <a:uLnTx/>
+                      <a:uFillTx/>
+                      <a:latin typeface="Times New Roman" panose="02020603050405020304" pitchFamily="18" charset="0"/>
+                      <a:ea typeface="ＭＳ 明朝"/>
+                      <a:cs typeface="Times New Roman" panose="02020603050405020304" pitchFamily="18" charset="0"/>
+                    </a:rPr>
+                    <a:t>Ensemble Learning (RF) </a:t>
+                  </a:r>
+                  <a:r>
+                    <a:rPr lang="en-US" kern="0" dirty="0">
+                      <a:solidFill>
+                        <a:prstClr val="black"/>
+                      </a:solidFill>
+                      <a:latin typeface="Times New Roman" panose="02020603050405020304" pitchFamily="18" charset="0"/>
+                      <a:ea typeface="ＭＳ 明朝"/>
+                      <a:cs typeface="Times New Roman" panose="02020603050405020304" pitchFamily="18" charset="0"/>
+                    </a:rPr>
+                    <a:t>for </a:t>
+                  </a:r>
+                  <a:r>
+                    <a:rPr kumimoji="0" lang="en-US" b="0" i="0" u="none" strike="noStrike" kern="0" cap="none" spc="0" normalizeH="0" baseline="0" noProof="0" dirty="0">
+                      <a:ln>
+                        <a:noFill/>
+                      </a:ln>
+                      <a:solidFill>
+                        <a:prstClr val="black"/>
+                      </a:solidFill>
+                      <a:effectLst/>
+                      <a:uLnTx/>
+                      <a:uFillTx/>
+                      <a:latin typeface="Times New Roman" panose="02020603050405020304" pitchFamily="18" charset="0"/>
+                      <a:ea typeface="ＭＳ 明朝"/>
+                      <a:cs typeface="Times New Roman" panose="02020603050405020304" pitchFamily="18" charset="0"/>
+                    </a:rPr>
+                    <a:t>Combining of </a:t>
+                  </a:r>
+                  <a:r>
+                    <a:rPr lang="en-US" kern="0" dirty="0">
+                      <a:solidFill>
+                        <a:prstClr val="black"/>
+                      </a:solidFill>
+                      <a:latin typeface="Times New Roman" panose="02020603050405020304" pitchFamily="18" charset="0"/>
+                      <a:ea typeface="ＭＳ 明朝"/>
+                      <a:cs typeface="Times New Roman" panose="02020603050405020304" pitchFamily="18" charset="0"/>
+                    </a:rPr>
+                    <a:t>Forecasts</a:t>
+                  </a:r>
+                  <a:endParaRPr kumimoji="0" lang="en-US" b="0" i="0" u="none" strike="noStrike" kern="0" cap="none" spc="0" normalizeH="0" baseline="0" noProof="0" dirty="0">
+                    <a:ln>
+                      <a:noFill/>
+                    </a:ln>
+                    <a:solidFill>
+                      <a:prstClr val="black"/>
+                    </a:solidFill>
+                    <a:effectLst/>
+                    <a:uLnTx/>
+                    <a:uFillTx/>
+                    <a:latin typeface="Times New Roman" panose="02020603050405020304" pitchFamily="18" charset="0"/>
+                    <a:ea typeface="ＭＳ 明朝"/>
+                    <a:cs typeface="Times New Roman" panose="02020603050405020304" pitchFamily="18" charset="0"/>
+                  </a:endParaRPr>
+                </a:p>
+              </p:txBody>
+            </p:sp>
+            <p:sp>
+              <p:nvSpPr>
+                <p:cNvPr id="41" name="Rounded Rectangle 56">
+                  <a:extLst>
+                    <a:ext uri="{FF2B5EF4-FFF2-40B4-BE49-F238E27FC236}">
+                      <a16:creationId xmlns:a16="http://schemas.microsoft.com/office/drawing/2014/main" id="{AD0AB34B-F76A-4983-8BE0-73183B6B620A}"/>
+                    </a:ext>
+                  </a:extLst>
+                </p:cNvPr>
+                <p:cNvSpPr/>
+                <p:nvPr/>
+              </p:nvSpPr>
+              <p:spPr>
+                <a:xfrm>
+                  <a:off x="4509107" y="514390"/>
+                  <a:ext cx="1057726" cy="506494"/>
+                </a:xfrm>
+                <a:prstGeom prst="roundRect">
+                  <a:avLst/>
+                </a:prstGeom>
+                <a:solidFill>
+                  <a:sysClr val="window" lastClr="FFFFFF"/>
+                </a:solidFill>
+                <a:ln w="12700" cap="flat" cmpd="sng" algn="ctr">
+                  <a:solidFill>
+                    <a:sysClr val="windowText" lastClr="000000"/>
+                  </a:solidFill>
+                  <a:prstDash val="solid"/>
+                  <a:miter lim="800000"/>
+                </a:ln>
+                <a:effectLst/>
+              </p:spPr>
+              <p:txBody>
+                <a:bodyPr rot="0" spcFirstLastPara="0" vert="horz" wrap="square" lIns="91440" tIns="45720" rIns="91440" bIns="45720" numCol="1" spcCol="0" rtlCol="0" fromWordArt="0" anchor="ctr" anchorCtr="0" forceAA="0" compatLnSpc="1">
+                  <a:prstTxWarp prst="textNoShape">
+                    <a:avLst/>
+                  </a:prstTxWarp>
+                  <a:noAutofit/>
+                </a:bodyPr>
+                <a:lstStyle/>
+                <a:p>
+                  <a:pPr marL="0" marR="0" lvl="0" indent="0" algn="ctr" defTabSz="914400" eaLnBrk="1" fontAlgn="auto" latinLnBrk="0" hangingPunct="1">
+                    <a:lnSpc>
+                      <a:spcPct val="100000"/>
+                    </a:lnSpc>
+                    <a:spcBef>
+                      <a:spcPts val="0"/>
+                    </a:spcBef>
+                    <a:spcAft>
+                      <a:spcPts val="0"/>
+                    </a:spcAft>
+                    <a:buClrTx/>
+                    <a:buSzTx/>
+                    <a:buFontTx/>
+                    <a:buNone/>
+                    <a:tabLst/>
+                    <a:defRPr/>
+                  </a:pPr>
+                  <a:r>
+                    <a:rPr kumimoji="0" lang="en-US" b="0" i="0" u="none" strike="noStrike" kern="0" cap="none" spc="0" normalizeH="0" baseline="0" noProof="0" dirty="0">
+                      <a:ln>
+                        <a:noFill/>
+                      </a:ln>
+                      <a:solidFill>
+                        <a:prstClr val="black"/>
+                      </a:solidFill>
+                      <a:effectLst/>
+                      <a:uLnTx/>
+                      <a:uFillTx/>
+                      <a:latin typeface="Times New Roman" panose="02020603050405020304" pitchFamily="18" charset="0"/>
+                      <a:ea typeface="ＭＳ 明朝"/>
+                      <a:cs typeface="Times New Roman" panose="02020603050405020304" pitchFamily="18" charset="0"/>
+                    </a:rPr>
+                    <a:t>Combined Forecasts</a:t>
+                  </a:r>
+                </a:p>
+              </p:txBody>
+            </p:sp>
+            <p:sp>
+              <p:nvSpPr>
+                <p:cNvPr id="42" name="Rounded Rectangle 58">
+                  <a:extLst>
+                    <a:ext uri="{FF2B5EF4-FFF2-40B4-BE49-F238E27FC236}">
+                      <a16:creationId xmlns:a16="http://schemas.microsoft.com/office/drawing/2014/main" id="{1140BDE0-1138-4307-8DF8-4BC6CAFB701B}"/>
+                    </a:ext>
+                  </a:extLst>
+                </p:cNvPr>
+                <p:cNvSpPr/>
+                <p:nvPr/>
+              </p:nvSpPr>
+              <p:spPr>
+                <a:xfrm>
+                  <a:off x="-67310" y="95824"/>
+                  <a:ext cx="1132840" cy="1206703"/>
+                </a:xfrm>
+                <a:prstGeom prst="roundRect">
+                  <a:avLst/>
+                </a:prstGeom>
+                <a:noFill/>
+                <a:ln w="12700" cap="flat" cmpd="sng" algn="ctr">
+                  <a:noFill/>
+                  <a:prstDash val="solid"/>
+                  <a:miter lim="800000"/>
+                </a:ln>
+                <a:effectLst/>
+              </p:spPr>
+              <p:txBody>
+                <a:bodyPr rot="0" spcFirstLastPara="0" vert="horz" wrap="square" lIns="91440" tIns="45720" rIns="91440" bIns="45720" numCol="1" spcCol="0" rtlCol="0" fromWordArt="0" anchor="ctr" anchorCtr="0" forceAA="0" compatLnSpc="1">
+                  <a:prstTxWarp prst="textNoShape">
+                    <a:avLst/>
+                  </a:prstTxWarp>
+                  <a:noAutofit/>
+                </a:bodyPr>
+                <a:lstStyle/>
+                <a:p>
+                  <a:pPr lvl="0" algn="ctr" defTabSz="914400">
+                    <a:defRPr/>
+                  </a:pPr>
+                  <a:r>
+                    <a:rPr lang="en-US" kern="0" dirty="0">
+                      <a:solidFill>
+                        <a:prstClr val="black"/>
+                      </a:solidFill>
+                      <a:latin typeface="Times New Roman" panose="02020603050405020304" pitchFamily="18" charset="0"/>
+                      <a:ea typeface="ＭＳ 明朝"/>
+                      <a:cs typeface="Times New Roman" panose="02020603050405020304" pitchFamily="18" charset="0"/>
+                    </a:rPr>
+                    <a:t>Individual Forecasts of </a:t>
+                  </a:r>
+                  <a:r>
+                    <a:rPr kumimoji="0" lang="en-US" b="0" i="0" u="none" strike="noStrike" kern="0" cap="none" spc="0" normalizeH="0" baseline="0" noProof="0" dirty="0">
+                      <a:ln>
+                        <a:noFill/>
+                      </a:ln>
+                      <a:solidFill>
+                        <a:prstClr val="black"/>
+                      </a:solidFill>
+                      <a:effectLst/>
+                      <a:uLnTx/>
+                      <a:uFillTx/>
+                      <a:latin typeface="Times New Roman" panose="02020603050405020304" pitchFamily="18" charset="0"/>
+                      <a:ea typeface="ＭＳ 明朝"/>
+                      <a:cs typeface="Times New Roman" panose="02020603050405020304" pitchFamily="18" charset="0"/>
+                    </a:rPr>
+                    <a:t>PV Solar  Power</a:t>
+                  </a:r>
+                </a:p>
+              </p:txBody>
+            </p:sp>
+            <p:sp>
+              <p:nvSpPr>
+                <p:cNvPr id="43" name="Left Brace 42">
+                  <a:extLst>
+                    <a:ext uri="{FF2B5EF4-FFF2-40B4-BE49-F238E27FC236}">
+                      <a16:creationId xmlns:a16="http://schemas.microsoft.com/office/drawing/2014/main" id="{C91BA03B-7DB6-40BF-8DBD-345DAE5D7DF4}"/>
+                    </a:ext>
+                  </a:extLst>
+                </p:cNvPr>
+                <p:cNvSpPr/>
+                <p:nvPr/>
+              </p:nvSpPr>
+              <p:spPr>
+                <a:xfrm>
+                  <a:off x="930215" y="1"/>
+                  <a:ext cx="231530" cy="1302527"/>
+                </a:xfrm>
+                <a:prstGeom prst="leftBrace">
+                  <a:avLst/>
+                </a:prstGeom>
+                <a:noFill/>
+                <a:ln w="12700" cap="flat" cmpd="sng" algn="ctr">
+                  <a:solidFill>
+                    <a:sysClr val="windowText" lastClr="000000"/>
+                  </a:solidFill>
+                  <a:prstDash val="solid"/>
+                  <a:miter lim="800000"/>
+                </a:ln>
+                <a:effectLst/>
+              </p:spPr>
+              <p:txBody>
+                <a:bodyPr rot="0" spcFirstLastPara="0" vert="horz" wrap="square" lIns="91440" tIns="45720" rIns="91440" bIns="45720" numCol="1" spcCol="0" rtlCol="0" fromWordArt="0" anchor="ctr" anchorCtr="0" forceAA="0" compatLnSpc="1">
+                  <a:prstTxWarp prst="textNoShape">
+                    <a:avLst/>
+                  </a:prstTxWarp>
+                  <a:noAutofit/>
+                </a:bodyPr>
+                <a:lstStyle/>
+                <a:p>
+                  <a:pPr marL="0" marR="0" lvl="0" indent="0" algn="ctr" defTabSz="914400" eaLnBrk="1" fontAlgn="auto" latinLnBrk="0" hangingPunct="1">
+                    <a:lnSpc>
+                      <a:spcPct val="100000"/>
+                    </a:lnSpc>
+                    <a:spcBef>
+                      <a:spcPts val="0"/>
+                    </a:spcBef>
+                    <a:spcAft>
+                      <a:spcPts val="0"/>
+                    </a:spcAft>
+                    <a:buClrTx/>
+                    <a:buSzTx/>
+                    <a:buFontTx/>
+                    <a:buNone/>
+                    <a:tabLst/>
+                    <a:defRPr/>
+                  </a:pPr>
+                  <a:endParaRPr kumimoji="0" lang="en-US" b="0" i="0" u="none" strike="noStrike" kern="0" cap="none" spc="0" normalizeH="0" baseline="0" noProof="0">
+                    <a:ln>
+                      <a:noFill/>
+                    </a:ln>
+                    <a:solidFill>
+                      <a:prstClr val="black"/>
+                    </a:solidFill>
+                    <a:effectLst/>
+                    <a:uLnTx/>
+                    <a:uFillTx/>
+                    <a:latin typeface="Times New Roman" panose="02020603050405020304" pitchFamily="18" charset="0"/>
+                    <a:ea typeface="+mn-ea"/>
+                    <a:cs typeface="Times New Roman" panose="02020603050405020304" pitchFamily="18" charset="0"/>
+                  </a:endParaRPr>
+                </a:p>
+              </p:txBody>
+            </p:sp>
+            <p:cxnSp>
+              <p:nvCxnSpPr>
+                <p:cNvPr id="44" name="Straight Arrow Connector 43">
+                  <a:extLst>
+                    <a:ext uri="{FF2B5EF4-FFF2-40B4-BE49-F238E27FC236}">
+                      <a16:creationId xmlns:a16="http://schemas.microsoft.com/office/drawing/2014/main" id="{CC09C015-27BB-437D-B37F-DAABA620E18D}"/>
+                    </a:ext>
+                  </a:extLst>
+                </p:cNvPr>
+                <p:cNvCxnSpPr>
+                  <a:cxnSpLocks/>
+                  <a:stCxn id="38" idx="3"/>
+                </p:cNvCxnSpPr>
+                <p:nvPr/>
+              </p:nvCxnSpPr>
+              <p:spPr>
+                <a:xfrm flipV="1">
+                  <a:off x="1912626" y="894438"/>
+                  <a:ext cx="938059" cy="218380"/>
+                </a:xfrm>
+                <a:prstGeom prst="straightConnector1">
+                  <a:avLst/>
+                </a:prstGeom>
+                <a:noFill/>
+                <a:ln w="34925" cap="flat" cmpd="sng" algn="ctr">
+                  <a:solidFill>
+                    <a:sysClr val="windowText" lastClr="000000"/>
+                  </a:solidFill>
+                  <a:prstDash val="solid"/>
+                  <a:miter lim="800000"/>
+                  <a:headEnd type="none" w="med" len="med"/>
+                  <a:tailEnd type="triangle" w="lg" len="lg"/>
+                </a:ln>
+                <a:effectLst/>
+              </p:spPr>
+            </p:cxnSp>
+            <p:cxnSp>
+              <p:nvCxnSpPr>
+                <p:cNvPr id="45" name="Straight Arrow Connector 44">
+                  <a:extLst>
+                    <a:ext uri="{FF2B5EF4-FFF2-40B4-BE49-F238E27FC236}">
+                      <a16:creationId xmlns:a16="http://schemas.microsoft.com/office/drawing/2014/main" id="{C8BE9489-7F9C-476C-9563-09B326385EE9}"/>
+                    </a:ext>
+                  </a:extLst>
+                </p:cNvPr>
+                <p:cNvCxnSpPr>
+                  <a:cxnSpLocks/>
+                  <a:stCxn id="39" idx="3"/>
+                </p:cNvCxnSpPr>
+                <p:nvPr/>
+              </p:nvCxnSpPr>
+              <p:spPr>
+                <a:xfrm flipV="1">
+                  <a:off x="1912626" y="1054514"/>
+                  <a:ext cx="934386" cy="562999"/>
+                </a:xfrm>
+                <a:prstGeom prst="straightConnector1">
+                  <a:avLst/>
+                </a:prstGeom>
+                <a:noFill/>
+                <a:ln w="34925" cap="flat" cmpd="sng" algn="ctr">
+                  <a:solidFill>
+                    <a:sysClr val="windowText" lastClr="000000"/>
+                  </a:solidFill>
+                  <a:prstDash val="solid"/>
+                  <a:miter lim="800000"/>
+                  <a:headEnd type="none" w="med" len="med"/>
+                  <a:tailEnd type="triangle" w="lg" len="lg"/>
+                </a:ln>
+                <a:effectLst/>
+              </p:spPr>
+            </p:cxnSp>
+            <p:cxnSp>
+              <p:nvCxnSpPr>
+                <p:cNvPr id="46" name="Straight Arrow Connector 45">
+                  <a:extLst>
+                    <a:ext uri="{FF2B5EF4-FFF2-40B4-BE49-F238E27FC236}">
+                      <a16:creationId xmlns:a16="http://schemas.microsoft.com/office/drawing/2014/main" id="{9A1D3B9B-EE21-4BCE-B1B9-1A986F1A0520}"/>
+                    </a:ext>
+                  </a:extLst>
+                </p:cNvPr>
+                <p:cNvCxnSpPr>
+                  <a:cxnSpLocks/>
+                  <a:stCxn id="40" idx="3"/>
+                  <a:endCxn id="41" idx="1"/>
+                </p:cNvCxnSpPr>
+                <p:nvPr/>
+              </p:nvCxnSpPr>
+              <p:spPr>
+                <a:xfrm flipV="1">
+                  <a:off x="4229100" y="767637"/>
+                  <a:ext cx="280007" cy="5901"/>
+                </a:xfrm>
+                <a:prstGeom prst="straightConnector1">
+                  <a:avLst/>
+                </a:prstGeom>
+                <a:noFill/>
+                <a:ln w="57150" cap="flat" cmpd="sng" algn="ctr">
+                  <a:solidFill>
+                    <a:sysClr val="windowText" lastClr="000000"/>
+                  </a:solidFill>
+                  <a:prstDash val="solid"/>
+                  <a:miter lim="800000"/>
+                  <a:headEnd type="none" w="med" len="med"/>
+                  <a:tailEnd type="triangle" w="med" len="med"/>
+                </a:ln>
+                <a:effectLst/>
+              </p:spPr>
+            </p:cxnSp>
+          </p:grpSp>
+        </p:grpSp>
+        <p:sp>
+          <p:nvSpPr>
+            <p:cNvPr id="33" name="Rounded Rectangle 53">
+              <a:extLst>
+                <a:ext uri="{FF2B5EF4-FFF2-40B4-BE49-F238E27FC236}">
+                  <a16:creationId xmlns:a16="http://schemas.microsoft.com/office/drawing/2014/main" id="{FEC8C5FE-661E-404E-982E-193AC86D597D}"/>
+                </a:ext>
+              </a:extLst>
+            </p:cNvPr>
+            <p:cNvSpPr/>
+            <p:nvPr/>
+          </p:nvSpPr>
+          <p:spPr>
+            <a:xfrm>
+              <a:off x="3584924" y="3984151"/>
+              <a:ext cx="1082010" cy="369126"/>
+            </a:xfrm>
+            <a:prstGeom prst="roundRect">
+              <a:avLst/>
+            </a:prstGeom>
+            <a:solidFill>
+              <a:sysClr val="window" lastClr="FFFFFF"/>
+            </a:solidFill>
+            <a:ln w="12700" cap="flat" cmpd="sng" algn="ctr">
+              <a:solidFill>
+                <a:sysClr val="windowText" lastClr="000000"/>
+              </a:solidFill>
+              <a:prstDash val="solid"/>
+              <a:miter lim="800000"/>
+            </a:ln>
+            <a:effectLst/>
+          </p:spPr>
+          <p:txBody>
+            <a:bodyPr rot="0" spcFirstLastPara="0" vert="horz" wrap="square" lIns="91440" tIns="45720" rIns="91440" bIns="45720" numCol="1" spcCol="0" rtlCol="0" fromWordArt="0" anchor="ctr" anchorCtr="0" forceAA="0" compatLnSpc="1">
+              <a:prstTxWarp prst="textNoShape">
+                <a:avLst/>
+              </a:prstTxWarp>
+              <a:noAutofit/>
+            </a:bodyPr>
+            <a:lstStyle/>
+            <a:p>
+              <a:pPr marL="0" marR="0" lvl="0" indent="0" algn="ctr" defTabSz="914400" eaLnBrk="1" fontAlgn="auto" latinLnBrk="0" hangingPunct="1">
+                <a:lnSpc>
+                  <a:spcPct val="100000"/>
+                </a:lnSpc>
+                <a:spcBef>
+                  <a:spcPts val="0"/>
+                </a:spcBef>
+                <a:spcAft>
+                  <a:spcPts val="0"/>
+                </a:spcAft>
+                <a:buClrTx/>
+                <a:buSzTx/>
+                <a:buFontTx/>
+                <a:buNone/>
+                <a:tabLst/>
+                <a:defRPr/>
+              </a:pPr>
+              <a:r>
+                <a:rPr kumimoji="0" lang="en-US" b="0" i="0" u="none" strike="noStrike" kern="0" cap="none" spc="0" normalizeH="0" baseline="0" noProof="0" dirty="0">
+                  <a:ln>
+                    <a:noFill/>
+                  </a:ln>
+                  <a:solidFill>
+                    <a:prstClr val="black"/>
+                  </a:solidFill>
+                  <a:effectLst/>
+                  <a:uLnTx/>
+                  <a:uFillTx/>
+                  <a:latin typeface="Times New Roman" panose="02020603050405020304" pitchFamily="18" charset="0"/>
+                  <a:ea typeface="ＭＳ 明朝"/>
+                  <a:cs typeface="Times New Roman" panose="02020603050405020304" pitchFamily="18" charset="0"/>
+                </a:rPr>
+                <a:t>Model A</a:t>
+              </a:r>
+            </a:p>
+          </p:txBody>
+        </p:sp>
+        <p:sp>
+          <p:nvSpPr>
+            <p:cNvPr id="34" name="Rounded Rectangle 53">
+              <a:extLst>
+                <a:ext uri="{FF2B5EF4-FFF2-40B4-BE49-F238E27FC236}">
+                  <a16:creationId xmlns:a16="http://schemas.microsoft.com/office/drawing/2014/main" id="{9B2B743B-820A-4A36-BC6E-2DB73EC90D35}"/>
+                </a:ext>
+              </a:extLst>
+            </p:cNvPr>
+            <p:cNvSpPr/>
+            <p:nvPr/>
+          </p:nvSpPr>
+          <p:spPr>
+            <a:xfrm>
+              <a:off x="3584924" y="4521583"/>
+              <a:ext cx="1082010" cy="369126"/>
+            </a:xfrm>
+            <a:prstGeom prst="roundRect">
+              <a:avLst/>
+            </a:prstGeom>
+            <a:solidFill>
+              <a:sysClr val="window" lastClr="FFFFFF"/>
+            </a:solidFill>
+            <a:ln w="12700" cap="flat" cmpd="sng" algn="ctr">
+              <a:solidFill>
+                <a:sysClr val="windowText" lastClr="000000"/>
+              </a:solidFill>
+              <a:prstDash val="solid"/>
+              <a:miter lim="800000"/>
+            </a:ln>
+            <a:effectLst/>
+          </p:spPr>
+          <p:txBody>
+            <a:bodyPr rot="0" spcFirstLastPara="0" vert="horz" wrap="square" lIns="91440" tIns="45720" rIns="91440" bIns="45720" numCol="1" spcCol="0" rtlCol="0" fromWordArt="0" anchor="ctr" anchorCtr="0" forceAA="0" compatLnSpc="1">
+              <a:prstTxWarp prst="textNoShape">
+                <a:avLst/>
+              </a:prstTxWarp>
+              <a:noAutofit/>
+            </a:bodyPr>
+            <a:lstStyle/>
+            <a:p>
+              <a:pPr marL="0" marR="0" lvl="0" indent="0" algn="ctr" defTabSz="914400" eaLnBrk="1" fontAlgn="auto" latinLnBrk="0" hangingPunct="1">
+                <a:lnSpc>
+                  <a:spcPct val="100000"/>
+                </a:lnSpc>
+                <a:spcBef>
+                  <a:spcPts val="0"/>
+                </a:spcBef>
+                <a:spcAft>
+                  <a:spcPts val="0"/>
+                </a:spcAft>
+                <a:buClrTx/>
+                <a:buSzTx/>
+                <a:buFontTx/>
+                <a:buNone/>
+                <a:tabLst/>
+                <a:defRPr/>
+              </a:pPr>
+              <a:r>
+                <a:rPr kumimoji="0" lang="en-US" b="0" i="0" u="none" strike="noStrike" kern="0" cap="none" spc="0" normalizeH="0" baseline="0" noProof="0" dirty="0">
+                  <a:ln>
+                    <a:noFill/>
+                  </a:ln>
+                  <a:solidFill>
+                    <a:prstClr val="black"/>
+                  </a:solidFill>
+                  <a:effectLst/>
+                  <a:uLnTx/>
+                  <a:uFillTx/>
+                  <a:latin typeface="Times New Roman" panose="02020603050405020304" pitchFamily="18" charset="0"/>
+                  <a:ea typeface="ＭＳ 明朝"/>
+                  <a:cs typeface="Times New Roman" panose="02020603050405020304" pitchFamily="18" charset="0"/>
+                </a:rPr>
+                <a:t>Model B</a:t>
+              </a:r>
+            </a:p>
+          </p:txBody>
+        </p:sp>
+      </p:grpSp>
+    </p:spTree>
+    <p:extLst>
+      <p:ext uri="{BB962C8B-B14F-4D97-AF65-F5344CB8AC3E}">
+        <p14:creationId xmlns:p14="http://schemas.microsoft.com/office/powerpoint/2010/main" val="2773142375"/>
       </p:ext>
     </p:extLst>
   </p:cSld>
